--- a/doc/五子棋项目演示PPT.pptx
+++ b/doc/五子棋项目演示PPT.pptx
@@ -25472,7 +25472,29 @@
                 <a:ea typeface="微软雅黑" panose="020B0503020204020204" pitchFamily="34" charset="-122"/>
                 <a:sym typeface="Arial" panose="020B0604020202020204" pitchFamily="34" charset="0"/>
               </a:rPr>
-              <a:t>局域网联网对站</a:t>
+              <a:t>局域网</a:t>
+            </a:r>
+            <a:r>
+              <a:rPr lang="zh-CN" altLang="en-US" sz="1600" b="1">
+                <a:solidFill>
+                  <a:srgbClr val="000000"/>
+                </a:solidFill>
+                <a:latin typeface="Arial" panose="020B0604020202020204" pitchFamily="34" charset="0"/>
+                <a:ea typeface="微软雅黑" panose="020B0503020204020204" pitchFamily="34" charset="-122"/>
+                <a:sym typeface="Arial" panose="020B0604020202020204" pitchFamily="34" charset="0"/>
+              </a:rPr>
+              <a:t>联网</a:t>
+            </a:r>
+            <a:r>
+              <a:rPr lang="zh-CN" altLang="en-US" sz="1600" b="1" smtClean="0">
+                <a:solidFill>
+                  <a:srgbClr val="000000"/>
+                </a:solidFill>
+                <a:latin typeface="Arial" panose="020B0604020202020204" pitchFamily="34" charset="0"/>
+                <a:ea typeface="微软雅黑" panose="020B0503020204020204" pitchFamily="34" charset="-122"/>
+                <a:sym typeface="Arial" panose="020B0604020202020204" pitchFamily="34" charset="0"/>
+              </a:rPr>
+              <a:t>对战</a:t>
             </a:r>
             <a:endParaRPr lang="en-US" altLang="zh-CN" sz="1600" b="1" dirty="0">
               <a:solidFill>

--- a/doc/五子棋项目演示PPT.pptx
+++ b/doc/五子棋项目演示PPT.pptx
@@ -5,7 +5,7 @@
     <p:sldMasterId id="2147483648" r:id="rId1"/>
   </p:sldMasterIdLst>
   <p:notesMasterIdLst>
-    <p:notesMasterId r:id="rId24"/>
+    <p:notesMasterId r:id="rId28"/>
   </p:notesMasterIdLst>
   <p:sldIdLst>
     <p:sldId id="256" r:id="rId2"/>
@@ -29,7 +29,11 @@
     <p:sldId id="276" r:id="rId20"/>
     <p:sldId id="277" r:id="rId21"/>
     <p:sldId id="278" r:id="rId22"/>
-    <p:sldId id="263" r:id="rId23"/>
+    <p:sldId id="289" r:id="rId23"/>
+    <p:sldId id="290" r:id="rId24"/>
+    <p:sldId id="292" r:id="rId25"/>
+    <p:sldId id="291" r:id="rId26"/>
+    <p:sldId id="263" r:id="rId27"/>
   </p:sldIdLst>
   <p:sldSz cx="12192000" cy="6858000"/>
   <p:notesSz cx="6858000" cy="9144000"/>
@@ -218,7 +222,7 @@
           <a:p>
             <a:fld id="{949977BA-D6A4-40E1-B54F-F41834F3016A}" type="datetimeFigureOut">
               <a:rPr lang="zh-CN" altLang="en-US" smtClean="0"/>
-              <a:t>2018/6/17</a:t>
+              <a:t>2018/6/18</a:t>
             </a:fld>
             <a:endParaRPr lang="zh-CN" altLang="en-US"/>
           </a:p>
@@ -1633,6 +1637,219 @@
       </p:grpSpPr>
       <p:sp>
         <p:nvSpPr>
+          <p:cNvPr id="19458" name="幻灯片图像占位符 1">
+            <a:extLst>
+              <a:ext uri="{FF2B5EF4-FFF2-40B4-BE49-F238E27FC236}">
+                <a16:creationId xmlns:a16="http://schemas.microsoft.com/office/drawing/2014/main" id="{6A648FA5-C907-4DAE-BCDE-7335CE8E29EC}"/>
+              </a:ext>
+            </a:extLst>
+          </p:cNvPr>
+          <p:cNvSpPr>
+            <a:spLocks noGrp="1" noRot="1" noChangeAspect="1" noChangeArrowheads="1" noTextEdit="1"/>
+          </p:cNvSpPr>
+          <p:nvPr>
+            <p:ph type="sldImg"/>
+          </p:nvPr>
+        </p:nvSpPr>
+        <p:spPr/>
+      </p:sp>
+      <p:sp>
+        <p:nvSpPr>
+          <p:cNvPr id="19459" name="备注占位符 2">
+            <a:extLst>
+              <a:ext uri="{FF2B5EF4-FFF2-40B4-BE49-F238E27FC236}">
+                <a16:creationId xmlns:a16="http://schemas.microsoft.com/office/drawing/2014/main" id="{D864CC36-7438-45CF-A3A4-5FD3090EB053}"/>
+              </a:ext>
+            </a:extLst>
+          </p:cNvPr>
+          <p:cNvSpPr>
+            <a:spLocks noGrp="1" noChangeArrowheads="1"/>
+          </p:cNvSpPr>
+          <p:nvPr>
+            <p:ph type="body" idx="1"/>
+          </p:nvPr>
+        </p:nvSpPr>
+        <p:spPr>
+          <a:noFill/>
+        </p:spPr>
+        <p:txBody>
+          <a:bodyPr/>
+          <a:lstStyle/>
+          <a:p>
+            <a:endParaRPr lang="zh-CN" altLang="en-US"/>
+          </a:p>
+        </p:txBody>
+      </p:sp>
+      <p:sp>
+        <p:nvSpPr>
+          <p:cNvPr id="19460" name="灯片编号占位符 3">
+            <a:extLst>
+              <a:ext uri="{FF2B5EF4-FFF2-40B4-BE49-F238E27FC236}">
+                <a16:creationId xmlns:a16="http://schemas.microsoft.com/office/drawing/2014/main" id="{E2BFF88F-A937-4450-88BC-62A3E1259B9E}"/>
+              </a:ext>
+            </a:extLst>
+          </p:cNvPr>
+          <p:cNvSpPr>
+            <a:spLocks noGrp="1"/>
+          </p:cNvSpPr>
+          <p:nvPr>
+            <p:ph type="sldNum" sz="quarter" idx="5"/>
+          </p:nvPr>
+        </p:nvSpPr>
+        <p:spPr>
+          <a:noFill/>
+        </p:spPr>
+        <p:txBody>
+          <a:bodyPr/>
+          <a:lstStyle>
+            <a:lvl1pPr>
+              <a:defRPr>
+                <a:solidFill>
+                  <a:schemeClr val="tx1"/>
+                </a:solidFill>
+                <a:latin typeface="Calibri" panose="020F0502020204030204" pitchFamily="34" charset="0"/>
+                <a:ea typeface="宋体" panose="02010600030101010101" pitchFamily="2" charset="-122"/>
+              </a:defRPr>
+            </a:lvl1pPr>
+            <a:lvl2pPr marL="742950" indent="-285750">
+              <a:defRPr>
+                <a:solidFill>
+                  <a:schemeClr val="tx1"/>
+                </a:solidFill>
+                <a:latin typeface="Calibri" panose="020F0502020204030204" pitchFamily="34" charset="0"/>
+                <a:ea typeface="宋体" panose="02010600030101010101" pitchFamily="2" charset="-122"/>
+              </a:defRPr>
+            </a:lvl2pPr>
+            <a:lvl3pPr marL="1143000" indent="-228600">
+              <a:defRPr>
+                <a:solidFill>
+                  <a:schemeClr val="tx1"/>
+                </a:solidFill>
+                <a:latin typeface="Calibri" panose="020F0502020204030204" pitchFamily="34" charset="0"/>
+                <a:ea typeface="宋体" panose="02010600030101010101" pitchFamily="2" charset="-122"/>
+              </a:defRPr>
+            </a:lvl3pPr>
+            <a:lvl4pPr marL="1600200" indent="-228600">
+              <a:defRPr>
+                <a:solidFill>
+                  <a:schemeClr val="tx1"/>
+                </a:solidFill>
+                <a:latin typeface="Calibri" panose="020F0502020204030204" pitchFamily="34" charset="0"/>
+                <a:ea typeface="宋体" panose="02010600030101010101" pitchFamily="2" charset="-122"/>
+              </a:defRPr>
+            </a:lvl4pPr>
+            <a:lvl5pPr marL="2057400" indent="-228600">
+              <a:defRPr>
+                <a:solidFill>
+                  <a:schemeClr val="tx1"/>
+                </a:solidFill>
+                <a:latin typeface="Calibri" panose="020F0502020204030204" pitchFamily="34" charset="0"/>
+                <a:ea typeface="宋体" panose="02010600030101010101" pitchFamily="2" charset="-122"/>
+              </a:defRPr>
+            </a:lvl5pPr>
+            <a:lvl6pPr marL="2514600" indent="-228600" eaLnBrk="0" fontAlgn="base" hangingPunct="0">
+              <a:spcBef>
+                <a:spcPct val="0"/>
+              </a:spcBef>
+              <a:spcAft>
+                <a:spcPct val="0"/>
+              </a:spcAft>
+              <a:defRPr>
+                <a:solidFill>
+                  <a:schemeClr val="tx1"/>
+                </a:solidFill>
+                <a:latin typeface="Calibri" panose="020F0502020204030204" pitchFamily="34" charset="0"/>
+                <a:ea typeface="宋体" panose="02010600030101010101" pitchFamily="2" charset="-122"/>
+              </a:defRPr>
+            </a:lvl6pPr>
+            <a:lvl7pPr marL="2971800" indent="-228600" eaLnBrk="0" fontAlgn="base" hangingPunct="0">
+              <a:spcBef>
+                <a:spcPct val="0"/>
+              </a:spcBef>
+              <a:spcAft>
+                <a:spcPct val="0"/>
+              </a:spcAft>
+              <a:defRPr>
+                <a:solidFill>
+                  <a:schemeClr val="tx1"/>
+                </a:solidFill>
+                <a:latin typeface="Calibri" panose="020F0502020204030204" pitchFamily="34" charset="0"/>
+                <a:ea typeface="宋体" panose="02010600030101010101" pitchFamily="2" charset="-122"/>
+              </a:defRPr>
+            </a:lvl7pPr>
+            <a:lvl8pPr marL="3429000" indent="-228600" eaLnBrk="0" fontAlgn="base" hangingPunct="0">
+              <a:spcBef>
+                <a:spcPct val="0"/>
+              </a:spcBef>
+              <a:spcAft>
+                <a:spcPct val="0"/>
+              </a:spcAft>
+              <a:defRPr>
+                <a:solidFill>
+                  <a:schemeClr val="tx1"/>
+                </a:solidFill>
+                <a:latin typeface="Calibri" panose="020F0502020204030204" pitchFamily="34" charset="0"/>
+                <a:ea typeface="宋体" panose="02010600030101010101" pitchFamily="2" charset="-122"/>
+              </a:defRPr>
+            </a:lvl8pPr>
+            <a:lvl9pPr marL="3886200" indent="-228600" eaLnBrk="0" fontAlgn="base" hangingPunct="0">
+              <a:spcBef>
+                <a:spcPct val="0"/>
+              </a:spcBef>
+              <a:spcAft>
+                <a:spcPct val="0"/>
+              </a:spcAft>
+              <a:defRPr>
+                <a:solidFill>
+                  <a:schemeClr val="tx1"/>
+                </a:solidFill>
+                <a:latin typeface="Calibri" panose="020F0502020204030204" pitchFamily="34" charset="0"/>
+                <a:ea typeface="宋体" panose="02010600030101010101" pitchFamily="2" charset="-122"/>
+              </a:defRPr>
+            </a:lvl9pPr>
+          </a:lstStyle>
+          <a:p>
+            <a:fld id="{497E2AF8-7A59-4526-8722-B5BCAD5D601D}" type="slidenum">
+              <a:rPr lang="zh-CN" altLang="en-US" smtClean="0"/>
+              <a:pPr/>
+              <a:t>22</a:t>
+            </a:fld>
+            <a:endParaRPr lang="zh-CN" altLang="en-US"/>
+          </a:p>
+        </p:txBody>
+      </p:sp>
+    </p:spTree>
+    <p:extLst>
+      <p:ext uri="{BB962C8B-B14F-4D97-AF65-F5344CB8AC3E}">
+        <p14:creationId xmlns:p14="http://schemas.microsoft.com/office/powerpoint/2010/main" val="1764030572"/>
+      </p:ext>
+    </p:extLst>
+  </p:cSld>
+  <p:clrMapOvr>
+    <a:masterClrMapping/>
+  </p:clrMapOvr>
+</p:notes>
+</file>
+
+<file path=ppt/notesSlides/notesSlide7.xml><?xml version="1.0" encoding="utf-8"?>
+<p:notes xmlns:a="http://schemas.openxmlformats.org/drawingml/2006/main" xmlns:r="http://schemas.openxmlformats.org/officeDocument/2006/relationships" xmlns:p="http://schemas.openxmlformats.org/presentationml/2006/main">
+  <p:cSld>
+    <p:spTree>
+      <p:nvGrpSpPr>
+        <p:cNvPr id="1" name=""/>
+        <p:cNvGrpSpPr/>
+        <p:nvPr/>
+      </p:nvGrpSpPr>
+      <p:grpSpPr>
+        <a:xfrm>
+          <a:off x="0" y="0"/>
+          <a:ext cx="0" cy="0"/>
+          <a:chOff x="0" y="0"/>
+          <a:chExt cx="0" cy="0"/>
+        </a:xfrm>
+      </p:grpSpPr>
+      <p:sp>
+        <p:nvSpPr>
           <p:cNvPr id="39938" name="幻灯片图像占位符 1">
             <a:extLst>
               <a:ext uri="{FF2B5EF4-FFF2-40B4-BE49-F238E27FC236}">
@@ -1811,7 +2028,7 @@
             <a:fld id="{83794AB6-084D-45BE-A89C-6F60D38D84BD}" type="slidenum">
               <a:rPr lang="zh-CN" altLang="en-US" smtClean="0"/>
               <a:pPr/>
-              <a:t>22</a:t>
+              <a:t>26</a:t>
             </a:fld>
             <a:endParaRPr lang="zh-CN" altLang="en-US"/>
           </a:p>
@@ -1977,7 +2194,7 @@
           <a:p>
             <a:fld id="{1F94889A-C339-4FBE-AE7D-77E100D4C0E4}" type="datetimeFigureOut">
               <a:rPr lang="zh-CN" altLang="en-US" smtClean="0"/>
-              <a:t>2018/6/17</a:t>
+              <a:t>2018/6/18</a:t>
             </a:fld>
             <a:endParaRPr lang="zh-CN" altLang="en-US"/>
           </a:p>
@@ -2175,7 +2392,7 @@
           <a:p>
             <a:fld id="{1F94889A-C339-4FBE-AE7D-77E100D4C0E4}" type="datetimeFigureOut">
               <a:rPr lang="zh-CN" altLang="en-US" smtClean="0"/>
-              <a:t>2018/6/17</a:t>
+              <a:t>2018/6/18</a:t>
             </a:fld>
             <a:endParaRPr lang="zh-CN" altLang="en-US"/>
           </a:p>
@@ -2383,7 +2600,7 @@
           <a:p>
             <a:fld id="{1F94889A-C339-4FBE-AE7D-77E100D4C0E4}" type="datetimeFigureOut">
               <a:rPr lang="zh-CN" altLang="en-US" smtClean="0"/>
-              <a:t>2018/6/17</a:t>
+              <a:t>2018/6/18</a:t>
             </a:fld>
             <a:endParaRPr lang="zh-CN" altLang="en-US"/>
           </a:p>
@@ -2581,7 +2798,7 @@
           <a:p>
             <a:fld id="{1F94889A-C339-4FBE-AE7D-77E100D4C0E4}" type="datetimeFigureOut">
               <a:rPr lang="zh-CN" altLang="en-US" smtClean="0"/>
-              <a:t>2018/6/17</a:t>
+              <a:t>2018/6/18</a:t>
             </a:fld>
             <a:endParaRPr lang="zh-CN" altLang="en-US"/>
           </a:p>
@@ -2856,7 +3073,7 @@
           <a:p>
             <a:fld id="{1F94889A-C339-4FBE-AE7D-77E100D4C0E4}" type="datetimeFigureOut">
               <a:rPr lang="zh-CN" altLang="en-US" smtClean="0"/>
-              <a:t>2018/6/17</a:t>
+              <a:t>2018/6/18</a:t>
             </a:fld>
             <a:endParaRPr lang="zh-CN" altLang="en-US"/>
           </a:p>
@@ -3121,7 +3338,7 @@
           <a:p>
             <a:fld id="{1F94889A-C339-4FBE-AE7D-77E100D4C0E4}" type="datetimeFigureOut">
               <a:rPr lang="zh-CN" altLang="en-US" smtClean="0"/>
-              <a:t>2018/6/17</a:t>
+              <a:t>2018/6/18</a:t>
             </a:fld>
             <a:endParaRPr lang="zh-CN" altLang="en-US"/>
           </a:p>
@@ -3533,7 +3750,7 @@
           <a:p>
             <a:fld id="{1F94889A-C339-4FBE-AE7D-77E100D4C0E4}" type="datetimeFigureOut">
               <a:rPr lang="zh-CN" altLang="en-US" smtClean="0"/>
-              <a:t>2018/6/17</a:t>
+              <a:t>2018/6/18</a:t>
             </a:fld>
             <a:endParaRPr lang="zh-CN" altLang="en-US"/>
           </a:p>
@@ -3674,7 +3891,7 @@
           <a:p>
             <a:fld id="{1F94889A-C339-4FBE-AE7D-77E100D4C0E4}" type="datetimeFigureOut">
               <a:rPr lang="zh-CN" altLang="en-US" smtClean="0"/>
-              <a:t>2018/6/17</a:t>
+              <a:t>2018/6/18</a:t>
             </a:fld>
             <a:endParaRPr lang="zh-CN" altLang="en-US"/>
           </a:p>
@@ -3787,7 +4004,7 @@
           <a:p>
             <a:fld id="{1F94889A-C339-4FBE-AE7D-77E100D4C0E4}" type="datetimeFigureOut">
               <a:rPr lang="zh-CN" altLang="en-US" smtClean="0"/>
-              <a:t>2018/6/17</a:t>
+              <a:t>2018/6/18</a:t>
             </a:fld>
             <a:endParaRPr lang="zh-CN" altLang="en-US"/>
           </a:p>
@@ -4098,7 +4315,7 @@
           <a:p>
             <a:fld id="{1F94889A-C339-4FBE-AE7D-77E100D4C0E4}" type="datetimeFigureOut">
               <a:rPr lang="zh-CN" altLang="en-US" smtClean="0"/>
-              <a:t>2018/6/17</a:t>
+              <a:t>2018/6/18</a:t>
             </a:fld>
             <a:endParaRPr lang="zh-CN" altLang="en-US"/>
           </a:p>
@@ -4386,7 +4603,7 @@
           <a:p>
             <a:fld id="{1F94889A-C339-4FBE-AE7D-77E100D4C0E4}" type="datetimeFigureOut">
               <a:rPr lang="zh-CN" altLang="en-US" smtClean="0"/>
-              <a:t>2018/6/17</a:t>
+              <a:t>2018/6/18</a:t>
             </a:fld>
             <a:endParaRPr lang="zh-CN" altLang="en-US"/>
           </a:p>
@@ -4627,7 +4844,7 @@
           <a:p>
             <a:fld id="{1F94889A-C339-4FBE-AE7D-77E100D4C0E4}" type="datetimeFigureOut">
               <a:rPr lang="zh-CN" altLang="en-US" smtClean="0"/>
-              <a:t>2018/6/17</a:t>
+              <a:t>2018/6/18</a:t>
             </a:fld>
             <a:endParaRPr lang="zh-CN" altLang="en-US"/>
           </a:p>
@@ -18593,7 +18810,7 @@
                 <a:buNone/>
               </a:pPr>
               <a:r>
-                <a:rPr lang="zh-CN" altLang="en-US" sz="2400" b="1">
+                <a:rPr lang="zh-CN" altLang="en-US" sz="2400" b="1" dirty="0">
                   <a:solidFill>
                     <a:srgbClr val="2F2F2F"/>
                   </a:solidFill>
@@ -20757,6 +20974,3135 @@
 </file>
 
 <file path=ppt/slides/slide22.xml><?xml version="1.0" encoding="utf-8"?>
+<p:sld xmlns:a="http://schemas.openxmlformats.org/drawingml/2006/main" xmlns:r="http://schemas.openxmlformats.org/officeDocument/2006/relationships" xmlns:p="http://schemas.openxmlformats.org/presentationml/2006/main">
+  <p:cSld>
+    <p:spTree>
+      <p:nvGrpSpPr>
+        <p:cNvPr id="1" name=""/>
+        <p:cNvGrpSpPr/>
+        <p:nvPr/>
+      </p:nvGrpSpPr>
+      <p:grpSpPr>
+        <a:xfrm>
+          <a:off x="0" y="0"/>
+          <a:ext cx="0" cy="0"/>
+          <a:chOff x="0" y="0"/>
+          <a:chExt cx="0" cy="0"/>
+        </a:xfrm>
+      </p:grpSpPr>
+      <p:pic>
+        <p:nvPicPr>
+          <p:cNvPr id="18434" name="图片 1">
+            <a:extLst>
+              <a:ext uri="{FF2B5EF4-FFF2-40B4-BE49-F238E27FC236}">
+                <a16:creationId xmlns:a16="http://schemas.microsoft.com/office/drawing/2014/main" id="{4C1C67FA-939D-44AA-BD17-CDB51EB6B690}"/>
+              </a:ext>
+            </a:extLst>
+          </p:cNvPr>
+          <p:cNvPicPr>
+            <a:picLocks noChangeAspect="1" noChangeArrowheads="1"/>
+          </p:cNvPicPr>
+          <p:nvPr/>
+        </p:nvPicPr>
+        <p:blipFill>
+          <a:blip r:embed="rId3">
+            <a:extLst>
+              <a:ext uri="{28A0092B-C50C-407E-A947-70E740481C1C}">
+                <a14:useLocalDpi xmlns:a14="http://schemas.microsoft.com/office/drawing/2010/main" val="0"/>
+              </a:ext>
+            </a:extLst>
+          </a:blip>
+          <a:srcRect/>
+          <a:stretch>
+            <a:fillRect/>
+          </a:stretch>
+        </p:blipFill>
+        <p:spPr bwMode="auto">
+          <a:xfrm>
+            <a:off x="0" y="0"/>
+            <a:ext cx="6067425" cy="6029325"/>
+          </a:xfrm>
+          <a:prstGeom prst="rect">
+            <a:avLst/>
+          </a:prstGeom>
+          <a:noFill/>
+          <a:ln>
+            <a:noFill/>
+          </a:ln>
+          <a:extLst>
+            <a:ext uri="{909E8E84-426E-40DD-AFC4-6F175D3DCCD1}">
+              <a14:hiddenFill xmlns:a14="http://schemas.microsoft.com/office/drawing/2010/main">
+                <a:solidFill>
+                  <a:srgbClr val="FFFFFF"/>
+                </a:solidFill>
+              </a14:hiddenFill>
+            </a:ext>
+            <a:ext uri="{91240B29-F687-4F45-9708-019B960494DF}">
+              <a14:hiddenLine xmlns:a14="http://schemas.microsoft.com/office/drawing/2010/main" w="9525">
+                <a:solidFill>
+                  <a:srgbClr val="000000"/>
+                </a:solidFill>
+                <a:miter lim="800000"/>
+                <a:headEnd/>
+                <a:tailEnd/>
+              </a14:hiddenLine>
+            </a:ext>
+          </a:extLst>
+        </p:spPr>
+      </p:pic>
+      <p:sp>
+        <p:nvSpPr>
+          <p:cNvPr id="2" name="矩形 1">
+            <a:extLst>
+              <a:ext uri="{FF2B5EF4-FFF2-40B4-BE49-F238E27FC236}">
+                <a16:creationId xmlns:a16="http://schemas.microsoft.com/office/drawing/2014/main" id="{393525E9-C7BB-4438-9B49-67E8BAF4D232}"/>
+              </a:ext>
+            </a:extLst>
+          </p:cNvPr>
+          <p:cNvSpPr/>
+          <p:nvPr/>
+        </p:nvSpPr>
+        <p:spPr bwMode="auto">
+          <a:xfrm>
+            <a:off x="0" y="828675"/>
+            <a:ext cx="12192000" cy="5200650"/>
+          </a:xfrm>
+          <a:prstGeom prst="rect">
+            <a:avLst/>
+          </a:prstGeom>
+          <a:solidFill>
+            <a:schemeClr val="tx1">
+              <a:lumMod val="65000"/>
+              <a:lumOff val="35000"/>
+              <a:alpha val="25000"/>
+            </a:schemeClr>
+          </a:solidFill>
+          <a:ln w="9525" cap="flat" cmpd="sng" algn="ctr">
+            <a:noFill/>
+            <a:prstDash val="solid"/>
+            <a:round/>
+            <a:headEnd type="none" w="med" len="med"/>
+            <a:tailEnd type="none" w="med" len="med"/>
+          </a:ln>
+          <a:effectLst/>
+          <a:extLst/>
+        </p:spPr>
+        <p:txBody>
+          <a:bodyPr vert="horz" wrap="square" lIns="91440" tIns="45720" rIns="91440" bIns="45720" numCol="1" rtlCol="0" anchor="t" anchorCtr="0" compatLnSpc="1">
+            <a:prstTxWarp prst="textNoShape">
+              <a:avLst/>
+            </a:prstTxWarp>
+          </a:bodyPr>
+          <a:lstStyle/>
+          <a:p>
+            <a:pPr marL="0" marR="0" indent="0" algn="l" defTabSz="914400" rtl="0" eaLnBrk="0" fontAlgn="base" latinLnBrk="0" hangingPunct="0">
+              <a:lnSpc>
+                <a:spcPct val="100000"/>
+              </a:lnSpc>
+              <a:spcBef>
+                <a:spcPct val="0"/>
+              </a:spcBef>
+              <a:spcAft>
+                <a:spcPct val="0"/>
+              </a:spcAft>
+              <a:buClrTx/>
+              <a:buSzTx/>
+              <a:buFont typeface="Arial" pitchFamily="34" charset="0"/>
+              <a:buNone/>
+              <a:tabLst/>
+            </a:pPr>
+            <a:endParaRPr kumimoji="0" lang="zh-CN" altLang="en-US" sz="1800" b="0" i="0" u="none" strike="noStrike" cap="none" normalizeH="0" baseline="0">
+              <a:ln>
+                <a:noFill/>
+              </a:ln>
+              <a:solidFill>
+                <a:schemeClr val="tx1"/>
+              </a:solidFill>
+              <a:effectLst/>
+              <a:latin typeface="Calibri" pitchFamily="34" charset="0"/>
+              <a:ea typeface="宋体" pitchFamily="2" charset="-122"/>
+            </a:endParaRPr>
+          </a:p>
+        </p:txBody>
+      </p:sp>
+      <p:sp>
+        <p:nvSpPr>
+          <p:cNvPr id="4" name="文本框 3">
+            <a:extLst>
+              <a:ext uri="{FF2B5EF4-FFF2-40B4-BE49-F238E27FC236}">
+                <a16:creationId xmlns:a16="http://schemas.microsoft.com/office/drawing/2014/main" id="{053F8700-906F-471E-8546-49D9AFF52251}"/>
+              </a:ext>
+            </a:extLst>
+          </p:cNvPr>
+          <p:cNvSpPr txBox="1"/>
+          <p:nvPr/>
+        </p:nvSpPr>
+        <p:spPr>
+          <a:xfrm>
+            <a:off x="4952424" y="2875002"/>
+            <a:ext cx="6067425" cy="1107996"/>
+          </a:xfrm>
+          <a:prstGeom prst="rect">
+            <a:avLst/>
+          </a:prstGeom>
+          <a:noFill/>
+        </p:spPr>
+        <p:txBody>
+          <a:bodyPr wrap="square" rtlCol="0">
+            <a:spAutoFit/>
+          </a:bodyPr>
+          <a:lstStyle/>
+          <a:p>
+            <a:r>
+              <a:rPr lang="zh-CN" altLang="en-US" sz="6600" b="1" dirty="0">
+                <a:solidFill>
+                  <a:schemeClr val="tx1">
+                    <a:lumMod val="65000"/>
+                    <a:lumOff val="35000"/>
+                  </a:schemeClr>
+                </a:solidFill>
+                <a:latin typeface="黑体" panose="02010609060101010101" pitchFamily="49" charset="-122"/>
+                <a:ea typeface="黑体" panose="02010609060101010101" pitchFamily="49" charset="-122"/>
+              </a:rPr>
+              <a:t>创新点分析</a:t>
+            </a:r>
+          </a:p>
+        </p:txBody>
+      </p:sp>
+      <p:sp>
+        <p:nvSpPr>
+          <p:cNvPr id="5" name="文本框 4">
+            <a:extLst>
+              <a:ext uri="{FF2B5EF4-FFF2-40B4-BE49-F238E27FC236}">
+                <a16:creationId xmlns:a16="http://schemas.microsoft.com/office/drawing/2014/main" id="{E024CC0D-20F8-4268-B60E-D74E7173B3DC}"/>
+              </a:ext>
+            </a:extLst>
+          </p:cNvPr>
+          <p:cNvSpPr txBox="1"/>
+          <p:nvPr/>
+        </p:nvSpPr>
+        <p:spPr>
+          <a:xfrm>
+            <a:off x="9208317" y="5375861"/>
+            <a:ext cx="2983683" cy="307777"/>
+          </a:xfrm>
+          <a:prstGeom prst="rect">
+            <a:avLst/>
+          </a:prstGeom>
+          <a:noFill/>
+        </p:spPr>
+        <p:txBody>
+          <a:bodyPr wrap="square" rtlCol="0">
+            <a:spAutoFit/>
+          </a:bodyPr>
+          <a:lstStyle/>
+          <a:p>
+            <a:r>
+              <a:rPr lang="zh-CN" altLang="en-US" sz="1400" dirty="0"/>
+              <a:t> </a:t>
+            </a:r>
+            <a:r>
+              <a:rPr lang="en-US" altLang="zh-CN" sz="1400" dirty="0"/>
+              <a:t>- </a:t>
+            </a:r>
+            <a:r>
+              <a:rPr lang="zh-CN" altLang="en-US" sz="1400" dirty="0"/>
+              <a:t>五子棋项目 </a:t>
+            </a:r>
+            <a:r>
+              <a:rPr lang="en-US" altLang="zh-CN" sz="1400" dirty="0"/>
+              <a:t>Gobang</a:t>
+            </a:r>
+            <a:endParaRPr lang="zh-CN" altLang="en-US" sz="1400" dirty="0"/>
+          </a:p>
+        </p:txBody>
+      </p:sp>
+    </p:spTree>
+    <p:extLst>
+      <p:ext uri="{BB962C8B-B14F-4D97-AF65-F5344CB8AC3E}">
+        <p14:creationId xmlns:p14="http://schemas.microsoft.com/office/powerpoint/2010/main" val="1683006063"/>
+      </p:ext>
+    </p:extLst>
+  </p:cSld>
+  <p:clrMapOvr>
+    <a:masterClrMapping/>
+  </p:clrMapOvr>
+</p:sld>
+</file>
+
+<file path=ppt/slides/slide23.xml><?xml version="1.0" encoding="utf-8"?>
+<p:sld xmlns:a="http://schemas.openxmlformats.org/drawingml/2006/main" xmlns:r="http://schemas.openxmlformats.org/officeDocument/2006/relationships" xmlns:p="http://schemas.openxmlformats.org/presentationml/2006/main">
+  <p:cSld>
+    <p:spTree>
+      <p:nvGrpSpPr>
+        <p:cNvPr id="1" name=""/>
+        <p:cNvGrpSpPr/>
+        <p:nvPr/>
+      </p:nvGrpSpPr>
+      <p:grpSpPr>
+        <a:xfrm>
+          <a:off x="0" y="0"/>
+          <a:ext cx="0" cy="0"/>
+          <a:chOff x="0" y="0"/>
+          <a:chExt cx="0" cy="0"/>
+        </a:xfrm>
+      </p:grpSpPr>
+      <p:grpSp>
+        <p:nvGrpSpPr>
+          <p:cNvPr id="2" name="组合 9">
+            <a:extLst>
+              <a:ext uri="{FF2B5EF4-FFF2-40B4-BE49-F238E27FC236}">
+                <a16:creationId xmlns:a16="http://schemas.microsoft.com/office/drawing/2014/main" id="{7A6FF0AD-6F55-4723-9AAF-38D46238D192}"/>
+              </a:ext>
+            </a:extLst>
+          </p:cNvPr>
+          <p:cNvGrpSpPr>
+            <a:grpSpLocks/>
+          </p:cNvGrpSpPr>
+          <p:nvPr/>
+        </p:nvGrpSpPr>
+        <p:grpSpPr bwMode="auto">
+          <a:xfrm>
+            <a:off x="438439" y="536575"/>
+            <a:ext cx="4761714" cy="955675"/>
+            <a:chOff x="0" y="0"/>
+            <a:chExt cx="3788756" cy="955148"/>
+          </a:xfrm>
+        </p:grpSpPr>
+        <p:pic>
+          <p:nvPicPr>
+            <p:cNvPr id="3" name="图片 10">
+              <a:extLst>
+                <a:ext uri="{FF2B5EF4-FFF2-40B4-BE49-F238E27FC236}">
+                  <a16:creationId xmlns:a16="http://schemas.microsoft.com/office/drawing/2014/main" id="{779B11FE-61D2-4C40-BFDA-2CC0E588A1B9}"/>
+                </a:ext>
+              </a:extLst>
+            </p:cNvPr>
+            <p:cNvPicPr>
+              <a:picLocks noChangeAspect="1" noChangeArrowheads="1"/>
+            </p:cNvPicPr>
+            <p:nvPr/>
+          </p:nvPicPr>
+          <p:blipFill>
+            <a:blip r:embed="rId2">
+              <a:extLst>
+                <a:ext uri="{28A0092B-C50C-407E-A947-70E740481C1C}">
+                  <a14:useLocalDpi xmlns:a14="http://schemas.microsoft.com/office/drawing/2010/main" val="0"/>
+                </a:ext>
+              </a:extLst>
+            </a:blip>
+            <a:srcRect/>
+            <a:stretch>
+              <a:fillRect/>
+            </a:stretch>
+          </p:blipFill>
+          <p:spPr bwMode="auto">
+            <a:xfrm>
+              <a:off x="0" y="0"/>
+              <a:ext cx="3788756" cy="955148"/>
+            </a:xfrm>
+            <a:prstGeom prst="rect">
+              <a:avLst/>
+            </a:prstGeom>
+            <a:noFill/>
+            <a:ln>
+              <a:noFill/>
+            </a:ln>
+            <a:extLst>
+              <a:ext uri="{909E8E84-426E-40DD-AFC4-6F175D3DCCD1}">
+                <a14:hiddenFill xmlns:a14="http://schemas.microsoft.com/office/drawing/2010/main">
+                  <a:solidFill>
+                    <a:srgbClr val="FFFFFF"/>
+                  </a:solidFill>
+                </a14:hiddenFill>
+              </a:ext>
+              <a:ext uri="{91240B29-F687-4F45-9708-019B960494DF}">
+                <a14:hiddenLine xmlns:a14="http://schemas.microsoft.com/office/drawing/2010/main" w="9525">
+                  <a:solidFill>
+                    <a:srgbClr val="000000"/>
+                  </a:solidFill>
+                  <a:miter lim="800000"/>
+                  <a:headEnd/>
+                  <a:tailEnd/>
+                </a14:hiddenLine>
+              </a:ext>
+            </a:extLst>
+          </p:spPr>
+        </p:pic>
+        <p:sp>
+          <p:nvSpPr>
+            <p:cNvPr id="4" name="文本框 11">
+              <a:extLst>
+                <a:ext uri="{FF2B5EF4-FFF2-40B4-BE49-F238E27FC236}">
+                  <a16:creationId xmlns:a16="http://schemas.microsoft.com/office/drawing/2014/main" id="{43744A05-C86B-4C10-AC2B-3BD8F38F4BCC}"/>
+                </a:ext>
+              </a:extLst>
+            </p:cNvPr>
+            <p:cNvSpPr txBox="1">
+              <a:spLocks noChangeArrowheads="1"/>
+            </p:cNvSpPr>
+            <p:nvPr/>
+          </p:nvSpPr>
+          <p:spPr bwMode="auto">
+            <a:xfrm>
+              <a:off x="327635" y="180329"/>
+              <a:ext cx="1828851" cy="369128"/>
+            </a:xfrm>
+            <a:prstGeom prst="rect">
+              <a:avLst/>
+            </a:prstGeom>
+            <a:noFill/>
+            <a:ln>
+              <a:noFill/>
+            </a:ln>
+            <a:extLst>
+              <a:ext uri="{909E8E84-426E-40DD-AFC4-6F175D3DCCD1}">
+                <a14:hiddenFill xmlns:a14="http://schemas.microsoft.com/office/drawing/2010/main">
+                  <a:solidFill>
+                    <a:srgbClr val="FFFFFF"/>
+                  </a:solidFill>
+                </a14:hiddenFill>
+              </a:ext>
+              <a:ext uri="{91240B29-F687-4F45-9708-019B960494DF}">
+                <a14:hiddenLine xmlns:a14="http://schemas.microsoft.com/office/drawing/2010/main" w="9525">
+                  <a:solidFill>
+                    <a:srgbClr val="000000"/>
+                  </a:solidFill>
+                  <a:miter lim="800000"/>
+                  <a:headEnd/>
+                  <a:tailEnd/>
+                </a14:hiddenLine>
+              </a:ext>
+            </a:extLst>
+          </p:spPr>
+          <p:txBody>
+            <a:bodyPr wrap="square">
+              <a:spAutoFit/>
+            </a:bodyPr>
+            <a:lstStyle>
+              <a:lvl1pPr>
+                <a:lnSpc>
+                  <a:spcPct val="90000"/>
+                </a:lnSpc>
+                <a:spcBef>
+                  <a:spcPts val="1000"/>
+                </a:spcBef>
+                <a:buFont typeface="Arial" panose="020B0604020202020204" pitchFamily="34" charset="0"/>
+                <a:buChar char="•"/>
+                <a:defRPr sz="2800">
+                  <a:solidFill>
+                    <a:schemeClr val="tx1"/>
+                  </a:solidFill>
+                  <a:latin typeface="Calibri" panose="020F0502020204030204" pitchFamily="34" charset="0"/>
+                  <a:ea typeface="宋体" panose="02010600030101010101" pitchFamily="2" charset="-122"/>
+                </a:defRPr>
+              </a:lvl1pPr>
+              <a:lvl2pPr marL="742950" indent="-285750">
+                <a:lnSpc>
+                  <a:spcPct val="90000"/>
+                </a:lnSpc>
+                <a:spcBef>
+                  <a:spcPts val="500"/>
+                </a:spcBef>
+                <a:buFont typeface="Arial" panose="020B0604020202020204" pitchFamily="34" charset="0"/>
+                <a:buChar char="•"/>
+                <a:defRPr sz="2400">
+                  <a:solidFill>
+                    <a:schemeClr val="tx1"/>
+                  </a:solidFill>
+                  <a:latin typeface="Calibri" panose="020F0502020204030204" pitchFamily="34" charset="0"/>
+                  <a:ea typeface="宋体" panose="02010600030101010101" pitchFamily="2" charset="-122"/>
+                </a:defRPr>
+              </a:lvl2pPr>
+              <a:lvl3pPr marL="1143000" indent="-228600">
+                <a:lnSpc>
+                  <a:spcPct val="90000"/>
+                </a:lnSpc>
+                <a:spcBef>
+                  <a:spcPts val="500"/>
+                </a:spcBef>
+                <a:buFont typeface="Arial" panose="020B0604020202020204" pitchFamily="34" charset="0"/>
+                <a:buChar char="•"/>
+                <a:defRPr sz="2000">
+                  <a:solidFill>
+                    <a:schemeClr val="tx1"/>
+                  </a:solidFill>
+                  <a:latin typeface="Calibri" panose="020F0502020204030204" pitchFamily="34" charset="0"/>
+                  <a:ea typeface="宋体" panose="02010600030101010101" pitchFamily="2" charset="-122"/>
+                </a:defRPr>
+              </a:lvl3pPr>
+              <a:lvl4pPr marL="1600200" indent="-228600">
+                <a:lnSpc>
+                  <a:spcPct val="90000"/>
+                </a:lnSpc>
+                <a:spcBef>
+                  <a:spcPts val="500"/>
+                </a:spcBef>
+                <a:buFont typeface="Arial" panose="020B0604020202020204" pitchFamily="34" charset="0"/>
+                <a:buChar char="•"/>
+                <a:defRPr>
+                  <a:solidFill>
+                    <a:schemeClr val="tx1"/>
+                  </a:solidFill>
+                  <a:latin typeface="Calibri" panose="020F0502020204030204" pitchFamily="34" charset="0"/>
+                  <a:ea typeface="宋体" panose="02010600030101010101" pitchFamily="2" charset="-122"/>
+                </a:defRPr>
+              </a:lvl4pPr>
+              <a:lvl5pPr marL="2057400" indent="-228600">
+                <a:lnSpc>
+                  <a:spcPct val="90000"/>
+                </a:lnSpc>
+                <a:spcBef>
+                  <a:spcPts val="500"/>
+                </a:spcBef>
+                <a:buFont typeface="Arial" panose="020B0604020202020204" pitchFamily="34" charset="0"/>
+                <a:buChar char="•"/>
+                <a:defRPr>
+                  <a:solidFill>
+                    <a:schemeClr val="tx1"/>
+                  </a:solidFill>
+                  <a:latin typeface="Calibri" panose="020F0502020204030204" pitchFamily="34" charset="0"/>
+                  <a:ea typeface="宋体" panose="02010600030101010101" pitchFamily="2" charset="-122"/>
+                </a:defRPr>
+              </a:lvl5pPr>
+              <a:lvl6pPr marL="2514600" indent="-228600" eaLnBrk="0" fontAlgn="base" hangingPunct="0">
+                <a:lnSpc>
+                  <a:spcPct val="90000"/>
+                </a:lnSpc>
+                <a:spcBef>
+                  <a:spcPts val="500"/>
+                </a:spcBef>
+                <a:spcAft>
+                  <a:spcPct val="0"/>
+                </a:spcAft>
+                <a:buFont typeface="Arial" panose="020B0604020202020204" pitchFamily="34" charset="0"/>
+                <a:buChar char="•"/>
+                <a:defRPr>
+                  <a:solidFill>
+                    <a:schemeClr val="tx1"/>
+                  </a:solidFill>
+                  <a:latin typeface="Calibri" panose="020F0502020204030204" pitchFamily="34" charset="0"/>
+                  <a:ea typeface="宋体" panose="02010600030101010101" pitchFamily="2" charset="-122"/>
+                </a:defRPr>
+              </a:lvl6pPr>
+              <a:lvl7pPr marL="2971800" indent="-228600" eaLnBrk="0" fontAlgn="base" hangingPunct="0">
+                <a:lnSpc>
+                  <a:spcPct val="90000"/>
+                </a:lnSpc>
+                <a:spcBef>
+                  <a:spcPts val="500"/>
+                </a:spcBef>
+                <a:spcAft>
+                  <a:spcPct val="0"/>
+                </a:spcAft>
+                <a:buFont typeface="Arial" panose="020B0604020202020204" pitchFamily="34" charset="0"/>
+                <a:buChar char="•"/>
+                <a:defRPr>
+                  <a:solidFill>
+                    <a:schemeClr val="tx1"/>
+                  </a:solidFill>
+                  <a:latin typeface="Calibri" panose="020F0502020204030204" pitchFamily="34" charset="0"/>
+                  <a:ea typeface="宋体" panose="02010600030101010101" pitchFamily="2" charset="-122"/>
+                </a:defRPr>
+              </a:lvl7pPr>
+              <a:lvl8pPr marL="3429000" indent="-228600" eaLnBrk="0" fontAlgn="base" hangingPunct="0">
+                <a:lnSpc>
+                  <a:spcPct val="90000"/>
+                </a:lnSpc>
+                <a:spcBef>
+                  <a:spcPts val="500"/>
+                </a:spcBef>
+                <a:spcAft>
+                  <a:spcPct val="0"/>
+                </a:spcAft>
+                <a:buFont typeface="Arial" panose="020B0604020202020204" pitchFamily="34" charset="0"/>
+                <a:buChar char="•"/>
+                <a:defRPr>
+                  <a:solidFill>
+                    <a:schemeClr val="tx1"/>
+                  </a:solidFill>
+                  <a:latin typeface="Calibri" panose="020F0502020204030204" pitchFamily="34" charset="0"/>
+                  <a:ea typeface="宋体" panose="02010600030101010101" pitchFamily="2" charset="-122"/>
+                </a:defRPr>
+              </a:lvl8pPr>
+              <a:lvl9pPr marL="3886200" indent="-228600" eaLnBrk="0" fontAlgn="base" hangingPunct="0">
+                <a:lnSpc>
+                  <a:spcPct val="90000"/>
+                </a:lnSpc>
+                <a:spcBef>
+                  <a:spcPts val="500"/>
+                </a:spcBef>
+                <a:spcAft>
+                  <a:spcPct val="0"/>
+                </a:spcAft>
+                <a:buFont typeface="Arial" panose="020B0604020202020204" pitchFamily="34" charset="0"/>
+                <a:buChar char="•"/>
+                <a:defRPr>
+                  <a:solidFill>
+                    <a:schemeClr val="tx1"/>
+                  </a:solidFill>
+                  <a:latin typeface="Calibri" panose="020F0502020204030204" pitchFamily="34" charset="0"/>
+                  <a:ea typeface="宋体" panose="02010600030101010101" pitchFamily="2" charset="-122"/>
+                </a:defRPr>
+              </a:lvl9pPr>
+            </a:lstStyle>
+            <a:p>
+              <a:pPr eaLnBrk="1" hangingPunct="1">
+                <a:lnSpc>
+                  <a:spcPct val="100000"/>
+                </a:lnSpc>
+                <a:spcBef>
+                  <a:spcPct val="0"/>
+                </a:spcBef>
+                <a:buFont typeface="Arial" panose="020B0604020202020204" pitchFamily="34" charset="0"/>
+                <a:buNone/>
+              </a:pPr>
+              <a:r>
+                <a:rPr lang="zh-CN" altLang="en-US" sz="1800" b="1" dirty="0">
+                  <a:solidFill>
+                    <a:schemeClr val="bg1"/>
+                  </a:solidFill>
+                  <a:latin typeface="微软雅黑" panose="020B0503020204020204" pitchFamily="34" charset="-122"/>
+                  <a:ea typeface="微软雅黑" panose="020B0503020204020204" pitchFamily="34" charset="-122"/>
+                </a:rPr>
+                <a:t>创新点一：联机对战</a:t>
+              </a:r>
+            </a:p>
+          </p:txBody>
+        </p:sp>
+      </p:grpSp>
+      <p:pic>
+        <p:nvPicPr>
+          <p:cNvPr id="5" name="图片 1">
+            <a:extLst>
+              <a:ext uri="{FF2B5EF4-FFF2-40B4-BE49-F238E27FC236}">
+                <a16:creationId xmlns:a16="http://schemas.microsoft.com/office/drawing/2014/main" id="{C4EEE81E-9175-42BE-AE5E-EC3F6291634F}"/>
+              </a:ext>
+            </a:extLst>
+          </p:cNvPr>
+          <p:cNvPicPr>
+            <a:picLocks noChangeAspect="1" noChangeArrowheads="1"/>
+          </p:cNvPicPr>
+          <p:nvPr/>
+        </p:nvPicPr>
+        <p:blipFill>
+          <a:blip r:embed="rId3">
+            <a:extLst>
+              <a:ext uri="{28A0092B-C50C-407E-A947-70E740481C1C}">
+                <a14:useLocalDpi xmlns:a14="http://schemas.microsoft.com/office/drawing/2010/main" val="0"/>
+              </a:ext>
+            </a:extLst>
+          </a:blip>
+          <a:srcRect/>
+          <a:stretch>
+            <a:fillRect/>
+          </a:stretch>
+        </p:blipFill>
+        <p:spPr bwMode="auto">
+          <a:xfrm>
+            <a:off x="7726363" y="1014413"/>
+            <a:ext cx="3160712" cy="4892675"/>
+          </a:xfrm>
+          <a:prstGeom prst="rect">
+            <a:avLst/>
+          </a:prstGeom>
+          <a:noFill/>
+          <a:ln>
+            <a:noFill/>
+          </a:ln>
+          <a:extLst>
+            <a:ext uri="{909E8E84-426E-40DD-AFC4-6F175D3DCCD1}">
+              <a14:hiddenFill xmlns:a14="http://schemas.microsoft.com/office/drawing/2010/main">
+                <a:solidFill>
+                  <a:srgbClr val="FFFFFF"/>
+                </a:solidFill>
+              </a14:hiddenFill>
+            </a:ext>
+            <a:ext uri="{91240B29-F687-4F45-9708-019B960494DF}">
+              <a14:hiddenLine xmlns:a14="http://schemas.microsoft.com/office/drawing/2010/main" w="9525">
+                <a:solidFill>
+                  <a:srgbClr val="000000"/>
+                </a:solidFill>
+                <a:miter lim="800000"/>
+                <a:headEnd/>
+                <a:tailEnd/>
+              </a14:hiddenLine>
+            </a:ext>
+          </a:extLst>
+        </p:spPr>
+      </p:pic>
+      <p:sp>
+        <p:nvSpPr>
+          <p:cNvPr id="9" name="矩形 8">
+            <a:extLst>
+              <a:ext uri="{FF2B5EF4-FFF2-40B4-BE49-F238E27FC236}">
+                <a16:creationId xmlns:a16="http://schemas.microsoft.com/office/drawing/2014/main" id="{7BFEA4FB-8CD3-4844-A66E-E374ED69BB71}"/>
+              </a:ext>
+            </a:extLst>
+          </p:cNvPr>
+          <p:cNvSpPr>
+            <a:spLocks noChangeArrowheads="1"/>
+          </p:cNvSpPr>
+          <p:nvPr/>
+        </p:nvSpPr>
+        <p:spPr bwMode="auto">
+          <a:xfrm>
+            <a:off x="708902" y="2160800"/>
+            <a:ext cx="6664325" cy="2536400"/>
+          </a:xfrm>
+          <a:prstGeom prst="rect">
+            <a:avLst/>
+          </a:prstGeom>
+          <a:noFill/>
+          <a:ln>
+            <a:noFill/>
+          </a:ln>
+          <a:extLst>
+            <a:ext uri="{909E8E84-426E-40DD-AFC4-6F175D3DCCD1}">
+              <a14:hiddenFill xmlns:a14="http://schemas.microsoft.com/office/drawing/2010/main">
+                <a:solidFill>
+                  <a:srgbClr val="FFFFFF"/>
+                </a:solidFill>
+              </a14:hiddenFill>
+            </a:ext>
+            <a:ext uri="{91240B29-F687-4F45-9708-019B960494DF}">
+              <a14:hiddenLine xmlns:a14="http://schemas.microsoft.com/office/drawing/2010/main" w="9525">
+                <a:solidFill>
+                  <a:srgbClr val="000000"/>
+                </a:solidFill>
+                <a:miter lim="800000"/>
+                <a:headEnd/>
+                <a:tailEnd/>
+              </a14:hiddenLine>
+            </a:ext>
+          </a:extLst>
+        </p:spPr>
+        <p:txBody>
+          <a:bodyPr wrap="square">
+            <a:spAutoFit/>
+          </a:bodyPr>
+          <a:lstStyle>
+            <a:lvl1pPr>
+              <a:lnSpc>
+                <a:spcPct val="90000"/>
+              </a:lnSpc>
+              <a:spcBef>
+                <a:spcPts val="1000"/>
+              </a:spcBef>
+              <a:buFont typeface="Arial" panose="020B0604020202020204" pitchFamily="34" charset="0"/>
+              <a:buChar char="•"/>
+              <a:defRPr sz="2800">
+                <a:solidFill>
+                  <a:schemeClr val="tx1"/>
+                </a:solidFill>
+                <a:latin typeface="Calibri" panose="020F0502020204030204" pitchFamily="34" charset="0"/>
+                <a:ea typeface="宋体" panose="02010600030101010101" pitchFamily="2" charset="-122"/>
+              </a:defRPr>
+            </a:lvl1pPr>
+            <a:lvl2pPr marL="742950" indent="-285750">
+              <a:lnSpc>
+                <a:spcPct val="90000"/>
+              </a:lnSpc>
+              <a:spcBef>
+                <a:spcPts val="500"/>
+              </a:spcBef>
+              <a:buFont typeface="Arial" panose="020B0604020202020204" pitchFamily="34" charset="0"/>
+              <a:buChar char="•"/>
+              <a:defRPr sz="2400">
+                <a:solidFill>
+                  <a:schemeClr val="tx1"/>
+                </a:solidFill>
+                <a:latin typeface="Calibri" panose="020F0502020204030204" pitchFamily="34" charset="0"/>
+                <a:ea typeface="宋体" panose="02010600030101010101" pitchFamily="2" charset="-122"/>
+              </a:defRPr>
+            </a:lvl2pPr>
+            <a:lvl3pPr marL="1143000" indent="-228600">
+              <a:lnSpc>
+                <a:spcPct val="90000"/>
+              </a:lnSpc>
+              <a:spcBef>
+                <a:spcPts val="500"/>
+              </a:spcBef>
+              <a:buFont typeface="Arial" panose="020B0604020202020204" pitchFamily="34" charset="0"/>
+              <a:buChar char="•"/>
+              <a:defRPr sz="2000">
+                <a:solidFill>
+                  <a:schemeClr val="tx1"/>
+                </a:solidFill>
+                <a:latin typeface="Calibri" panose="020F0502020204030204" pitchFamily="34" charset="0"/>
+                <a:ea typeface="宋体" panose="02010600030101010101" pitchFamily="2" charset="-122"/>
+              </a:defRPr>
+            </a:lvl3pPr>
+            <a:lvl4pPr marL="1600200" indent="-228600">
+              <a:lnSpc>
+                <a:spcPct val="90000"/>
+              </a:lnSpc>
+              <a:spcBef>
+                <a:spcPts val="500"/>
+              </a:spcBef>
+              <a:buFont typeface="Arial" panose="020B0604020202020204" pitchFamily="34" charset="0"/>
+              <a:buChar char="•"/>
+              <a:defRPr>
+                <a:solidFill>
+                  <a:schemeClr val="tx1"/>
+                </a:solidFill>
+                <a:latin typeface="Calibri" panose="020F0502020204030204" pitchFamily="34" charset="0"/>
+                <a:ea typeface="宋体" panose="02010600030101010101" pitchFamily="2" charset="-122"/>
+              </a:defRPr>
+            </a:lvl4pPr>
+            <a:lvl5pPr marL="2057400" indent="-228600">
+              <a:lnSpc>
+                <a:spcPct val="90000"/>
+              </a:lnSpc>
+              <a:spcBef>
+                <a:spcPts val="500"/>
+              </a:spcBef>
+              <a:buFont typeface="Arial" panose="020B0604020202020204" pitchFamily="34" charset="0"/>
+              <a:buChar char="•"/>
+              <a:defRPr>
+                <a:solidFill>
+                  <a:schemeClr val="tx1"/>
+                </a:solidFill>
+                <a:latin typeface="Calibri" panose="020F0502020204030204" pitchFamily="34" charset="0"/>
+                <a:ea typeface="宋体" panose="02010600030101010101" pitchFamily="2" charset="-122"/>
+              </a:defRPr>
+            </a:lvl5pPr>
+            <a:lvl6pPr marL="2514600" indent="-228600" eaLnBrk="0" fontAlgn="base" hangingPunct="0">
+              <a:lnSpc>
+                <a:spcPct val="90000"/>
+              </a:lnSpc>
+              <a:spcBef>
+                <a:spcPts val="500"/>
+              </a:spcBef>
+              <a:spcAft>
+                <a:spcPct val="0"/>
+              </a:spcAft>
+              <a:buFont typeface="Arial" panose="020B0604020202020204" pitchFamily="34" charset="0"/>
+              <a:buChar char="•"/>
+              <a:defRPr>
+                <a:solidFill>
+                  <a:schemeClr val="tx1"/>
+                </a:solidFill>
+                <a:latin typeface="Calibri" panose="020F0502020204030204" pitchFamily="34" charset="0"/>
+                <a:ea typeface="宋体" panose="02010600030101010101" pitchFamily="2" charset="-122"/>
+              </a:defRPr>
+            </a:lvl6pPr>
+            <a:lvl7pPr marL="2971800" indent="-228600" eaLnBrk="0" fontAlgn="base" hangingPunct="0">
+              <a:lnSpc>
+                <a:spcPct val="90000"/>
+              </a:lnSpc>
+              <a:spcBef>
+                <a:spcPts val="500"/>
+              </a:spcBef>
+              <a:spcAft>
+                <a:spcPct val="0"/>
+              </a:spcAft>
+              <a:buFont typeface="Arial" panose="020B0604020202020204" pitchFamily="34" charset="0"/>
+              <a:buChar char="•"/>
+              <a:defRPr>
+                <a:solidFill>
+                  <a:schemeClr val="tx1"/>
+                </a:solidFill>
+                <a:latin typeface="Calibri" panose="020F0502020204030204" pitchFamily="34" charset="0"/>
+                <a:ea typeface="宋体" panose="02010600030101010101" pitchFamily="2" charset="-122"/>
+              </a:defRPr>
+            </a:lvl7pPr>
+            <a:lvl8pPr marL="3429000" indent="-228600" eaLnBrk="0" fontAlgn="base" hangingPunct="0">
+              <a:lnSpc>
+                <a:spcPct val="90000"/>
+              </a:lnSpc>
+              <a:spcBef>
+                <a:spcPts val="500"/>
+              </a:spcBef>
+              <a:spcAft>
+                <a:spcPct val="0"/>
+              </a:spcAft>
+              <a:buFont typeface="Arial" panose="020B0604020202020204" pitchFamily="34" charset="0"/>
+              <a:buChar char="•"/>
+              <a:defRPr>
+                <a:solidFill>
+                  <a:schemeClr val="tx1"/>
+                </a:solidFill>
+                <a:latin typeface="Calibri" panose="020F0502020204030204" pitchFamily="34" charset="0"/>
+                <a:ea typeface="宋体" panose="02010600030101010101" pitchFamily="2" charset="-122"/>
+              </a:defRPr>
+            </a:lvl8pPr>
+            <a:lvl9pPr marL="3886200" indent="-228600" eaLnBrk="0" fontAlgn="base" hangingPunct="0">
+              <a:lnSpc>
+                <a:spcPct val="90000"/>
+              </a:lnSpc>
+              <a:spcBef>
+                <a:spcPts val="500"/>
+              </a:spcBef>
+              <a:spcAft>
+                <a:spcPct val="0"/>
+              </a:spcAft>
+              <a:buFont typeface="Arial" panose="020B0604020202020204" pitchFamily="34" charset="0"/>
+              <a:buChar char="•"/>
+              <a:defRPr>
+                <a:solidFill>
+                  <a:schemeClr val="tx1"/>
+                </a:solidFill>
+                <a:latin typeface="Calibri" panose="020F0502020204030204" pitchFamily="34" charset="0"/>
+                <a:ea typeface="宋体" panose="02010600030101010101" pitchFamily="2" charset="-122"/>
+              </a:defRPr>
+            </a:lvl9pPr>
+          </a:lstStyle>
+          <a:p>
+            <a:pPr>
+              <a:lnSpc>
+                <a:spcPct val="150000"/>
+              </a:lnSpc>
+              <a:spcBef>
+                <a:spcPct val="0"/>
+              </a:spcBef>
+              <a:buNone/>
+            </a:pPr>
+            <a:r>
+              <a:rPr lang="zh-CN" altLang="en-US" sz="1800" dirty="0">
+                <a:latin typeface="微软雅黑" panose="020B0503020204020204" pitchFamily="34" charset="-122"/>
+                <a:ea typeface="微软雅黑" panose="020B0503020204020204" pitchFamily="34" charset="-122"/>
+              </a:rPr>
+              <a:t>本五子棋实现了基于</a:t>
+            </a:r>
+            <a:r>
+              <a:rPr lang="en-US" altLang="zh-CN" sz="1800" dirty="0">
+                <a:latin typeface="微软雅黑" panose="020B0503020204020204" pitchFamily="34" charset="-122"/>
+                <a:ea typeface="微软雅黑" panose="020B0503020204020204" pitchFamily="34" charset="-122"/>
+              </a:rPr>
+              <a:t>TCP</a:t>
+            </a:r>
+            <a:r>
+              <a:rPr lang="zh-CN" altLang="en-US" sz="1800" dirty="0">
+                <a:latin typeface="微软雅黑" panose="020B0503020204020204" pitchFamily="34" charset="-122"/>
+                <a:ea typeface="微软雅黑" panose="020B0503020204020204" pitchFamily="34" charset="-122"/>
+              </a:rPr>
+              <a:t>协议的五子棋联机对战：</a:t>
+            </a:r>
+          </a:p>
+          <a:p>
+            <a:pPr eaLnBrk="1" hangingPunct="1">
+              <a:lnSpc>
+                <a:spcPct val="150000"/>
+              </a:lnSpc>
+              <a:spcBef>
+                <a:spcPct val="0"/>
+              </a:spcBef>
+              <a:buFont typeface="Arial" panose="020B0604020202020204" pitchFamily="34" charset="0"/>
+              <a:buNone/>
+            </a:pPr>
+            <a:r>
+              <a:rPr lang="zh-CN" altLang="en-US" sz="1800" dirty="0">
+                <a:latin typeface="微软雅黑" panose="020B0503020204020204" pitchFamily="34" charset="-122"/>
+                <a:ea typeface="微软雅黑" panose="020B0503020204020204" pitchFamily="34" charset="-122"/>
+              </a:rPr>
+              <a:t>       </a:t>
+            </a:r>
+            <a:endParaRPr lang="en-US" altLang="zh-CN" sz="1800" dirty="0">
+              <a:latin typeface="微软雅黑" panose="020B0503020204020204" pitchFamily="34" charset="-122"/>
+              <a:ea typeface="微软雅黑" panose="020B0503020204020204" pitchFamily="34" charset="-122"/>
+            </a:endParaRPr>
+          </a:p>
+          <a:p>
+            <a:pPr eaLnBrk="1" hangingPunct="1">
+              <a:lnSpc>
+                <a:spcPct val="150000"/>
+              </a:lnSpc>
+              <a:spcBef>
+                <a:spcPct val="0"/>
+              </a:spcBef>
+              <a:buFont typeface="Arial" panose="020B0604020202020204" pitchFamily="34" charset="0"/>
+              <a:buNone/>
+            </a:pPr>
+            <a:r>
+              <a:rPr lang="zh-CN" altLang="en-US" sz="1800" dirty="0">
+                <a:latin typeface="微软雅黑" panose="020B0503020204020204" pitchFamily="34" charset="-122"/>
+                <a:ea typeface="微软雅黑" panose="020B0503020204020204" pitchFamily="34" charset="-122"/>
+              </a:rPr>
+              <a:t>       不同</a:t>
+            </a:r>
+            <a:r>
+              <a:rPr lang="en-US" altLang="zh-CN" sz="1800" dirty="0">
+                <a:latin typeface="微软雅黑" panose="020B0503020204020204" pitchFamily="34" charset="-122"/>
+                <a:ea typeface="微软雅黑" panose="020B0503020204020204" pitchFamily="34" charset="-122"/>
+              </a:rPr>
+              <a:t>PC</a:t>
+            </a:r>
+            <a:r>
+              <a:rPr lang="zh-CN" altLang="en-US" sz="1800" dirty="0">
+                <a:latin typeface="微软雅黑" panose="020B0503020204020204" pitchFamily="34" charset="-122"/>
+                <a:ea typeface="微软雅黑" panose="020B0503020204020204" pitchFamily="34" charset="-122"/>
+              </a:rPr>
+              <a:t>上的玩家可通过端口与</a:t>
+            </a:r>
+            <a:r>
+              <a:rPr lang="en-US" altLang="zh-CN" sz="1800" dirty="0">
+                <a:latin typeface="微软雅黑" panose="020B0503020204020204" pitchFamily="34" charset="-122"/>
+                <a:ea typeface="微软雅黑" panose="020B0503020204020204" pitchFamily="34" charset="-122"/>
+              </a:rPr>
+              <a:t>IP</a:t>
+            </a:r>
+            <a:r>
+              <a:rPr lang="zh-CN" altLang="en-US" sz="1800" dirty="0">
+                <a:latin typeface="微软雅黑" panose="020B0503020204020204" pitchFamily="34" charset="-122"/>
+                <a:ea typeface="微软雅黑" panose="020B0503020204020204" pitchFamily="34" charset="-122"/>
+              </a:rPr>
+              <a:t>地址连接局域网进行联机对战，主机持黑子先行，对弈过程中玩家可选择重新开始、提示、悔棋、认输和保存棋局等功能按钮与对手进行交流，并通过对话框的形式处理来自对方的各种请求。</a:t>
+            </a:r>
+            <a:endParaRPr lang="en-US" altLang="zh-CN" sz="1800" dirty="0">
+              <a:latin typeface="微软雅黑" panose="020B0503020204020204" pitchFamily="34" charset="-122"/>
+              <a:ea typeface="微软雅黑" panose="020B0503020204020204" pitchFamily="34" charset="-122"/>
+            </a:endParaRPr>
+          </a:p>
+        </p:txBody>
+      </p:sp>
+    </p:spTree>
+    <p:extLst>
+      <p:ext uri="{BB962C8B-B14F-4D97-AF65-F5344CB8AC3E}">
+        <p14:creationId xmlns:p14="http://schemas.microsoft.com/office/powerpoint/2010/main" val="3184906745"/>
+      </p:ext>
+    </p:extLst>
+  </p:cSld>
+  <p:clrMapOvr>
+    <a:masterClrMapping/>
+  </p:clrMapOvr>
+</p:sld>
+</file>
+
+<file path=ppt/slides/slide24.xml><?xml version="1.0" encoding="utf-8"?>
+<p:sld xmlns:a="http://schemas.openxmlformats.org/drawingml/2006/main" xmlns:r="http://schemas.openxmlformats.org/officeDocument/2006/relationships" xmlns:p="http://schemas.openxmlformats.org/presentationml/2006/main">
+  <p:cSld>
+    <p:spTree>
+      <p:nvGrpSpPr>
+        <p:cNvPr id="1" name=""/>
+        <p:cNvGrpSpPr/>
+        <p:nvPr/>
+      </p:nvGrpSpPr>
+      <p:grpSpPr>
+        <a:xfrm>
+          <a:off x="0" y="0"/>
+          <a:ext cx="0" cy="0"/>
+          <a:chOff x="0" y="0"/>
+          <a:chExt cx="0" cy="0"/>
+        </a:xfrm>
+      </p:grpSpPr>
+      <p:grpSp>
+        <p:nvGrpSpPr>
+          <p:cNvPr id="2" name="组合 9">
+            <a:extLst>
+              <a:ext uri="{FF2B5EF4-FFF2-40B4-BE49-F238E27FC236}">
+                <a16:creationId xmlns:a16="http://schemas.microsoft.com/office/drawing/2014/main" id="{7A6FF0AD-6F55-4723-9AAF-38D46238D192}"/>
+              </a:ext>
+            </a:extLst>
+          </p:cNvPr>
+          <p:cNvGrpSpPr>
+            <a:grpSpLocks/>
+          </p:cNvGrpSpPr>
+          <p:nvPr/>
+        </p:nvGrpSpPr>
+        <p:grpSpPr bwMode="auto">
+          <a:xfrm>
+            <a:off x="438439" y="437322"/>
+            <a:ext cx="4027199" cy="1054929"/>
+            <a:chOff x="0" y="0"/>
+            <a:chExt cx="3788756" cy="955148"/>
+          </a:xfrm>
+        </p:grpSpPr>
+        <p:pic>
+          <p:nvPicPr>
+            <p:cNvPr id="3" name="图片 10">
+              <a:extLst>
+                <a:ext uri="{FF2B5EF4-FFF2-40B4-BE49-F238E27FC236}">
+                  <a16:creationId xmlns:a16="http://schemas.microsoft.com/office/drawing/2014/main" id="{779B11FE-61D2-4C40-BFDA-2CC0E588A1B9}"/>
+                </a:ext>
+              </a:extLst>
+            </p:cNvPr>
+            <p:cNvPicPr>
+              <a:picLocks noChangeAspect="1" noChangeArrowheads="1"/>
+            </p:cNvPicPr>
+            <p:nvPr/>
+          </p:nvPicPr>
+          <p:blipFill>
+            <a:blip r:embed="rId2">
+              <a:extLst>
+                <a:ext uri="{28A0092B-C50C-407E-A947-70E740481C1C}">
+                  <a14:useLocalDpi xmlns:a14="http://schemas.microsoft.com/office/drawing/2010/main" val="0"/>
+                </a:ext>
+              </a:extLst>
+            </a:blip>
+            <a:srcRect/>
+            <a:stretch>
+              <a:fillRect/>
+            </a:stretch>
+          </p:blipFill>
+          <p:spPr bwMode="auto">
+            <a:xfrm>
+              <a:off x="0" y="0"/>
+              <a:ext cx="3788756" cy="955148"/>
+            </a:xfrm>
+            <a:prstGeom prst="rect">
+              <a:avLst/>
+            </a:prstGeom>
+            <a:noFill/>
+            <a:ln>
+              <a:noFill/>
+            </a:ln>
+            <a:extLst>
+              <a:ext uri="{909E8E84-426E-40DD-AFC4-6F175D3DCCD1}">
+                <a14:hiddenFill xmlns:a14="http://schemas.microsoft.com/office/drawing/2010/main">
+                  <a:solidFill>
+                    <a:srgbClr val="FFFFFF"/>
+                  </a:solidFill>
+                </a14:hiddenFill>
+              </a:ext>
+              <a:ext uri="{91240B29-F687-4F45-9708-019B960494DF}">
+                <a14:hiddenLine xmlns:a14="http://schemas.microsoft.com/office/drawing/2010/main" w="9525">
+                  <a:solidFill>
+                    <a:srgbClr val="000000"/>
+                  </a:solidFill>
+                  <a:miter lim="800000"/>
+                  <a:headEnd/>
+                  <a:tailEnd/>
+                </a14:hiddenLine>
+              </a:ext>
+            </a:extLst>
+          </p:spPr>
+        </p:pic>
+        <p:sp>
+          <p:nvSpPr>
+            <p:cNvPr id="4" name="文本框 11">
+              <a:extLst>
+                <a:ext uri="{FF2B5EF4-FFF2-40B4-BE49-F238E27FC236}">
+                  <a16:creationId xmlns:a16="http://schemas.microsoft.com/office/drawing/2014/main" id="{43744A05-C86B-4C10-AC2B-3BD8F38F4BCC}"/>
+                </a:ext>
+              </a:extLst>
+            </p:cNvPr>
+            <p:cNvSpPr txBox="1">
+              <a:spLocks noChangeArrowheads="1"/>
+            </p:cNvSpPr>
+            <p:nvPr/>
+          </p:nvSpPr>
+          <p:spPr bwMode="auto">
+            <a:xfrm>
+              <a:off x="327636" y="180329"/>
+              <a:ext cx="1425473" cy="347495"/>
+            </a:xfrm>
+            <a:prstGeom prst="rect">
+              <a:avLst/>
+            </a:prstGeom>
+            <a:noFill/>
+            <a:ln>
+              <a:noFill/>
+            </a:ln>
+            <a:extLst>
+              <a:ext uri="{909E8E84-426E-40DD-AFC4-6F175D3DCCD1}">
+                <a14:hiddenFill xmlns:a14="http://schemas.microsoft.com/office/drawing/2010/main">
+                  <a:solidFill>
+                    <a:srgbClr val="FFFFFF"/>
+                  </a:solidFill>
+                </a14:hiddenFill>
+              </a:ext>
+              <a:ext uri="{91240B29-F687-4F45-9708-019B960494DF}">
+                <a14:hiddenLine xmlns:a14="http://schemas.microsoft.com/office/drawing/2010/main" w="9525">
+                  <a:solidFill>
+                    <a:srgbClr val="000000"/>
+                  </a:solidFill>
+                  <a:miter lim="800000"/>
+                  <a:headEnd/>
+                  <a:tailEnd/>
+                </a14:hiddenLine>
+              </a:ext>
+            </a:extLst>
+          </p:spPr>
+          <p:txBody>
+            <a:bodyPr wrap="square">
+              <a:spAutoFit/>
+            </a:bodyPr>
+            <a:lstStyle>
+              <a:lvl1pPr>
+                <a:lnSpc>
+                  <a:spcPct val="90000"/>
+                </a:lnSpc>
+                <a:spcBef>
+                  <a:spcPts val="1000"/>
+                </a:spcBef>
+                <a:buFont typeface="Arial" panose="020B0604020202020204" pitchFamily="34" charset="0"/>
+                <a:buChar char="•"/>
+                <a:defRPr sz="2800">
+                  <a:solidFill>
+                    <a:schemeClr val="tx1"/>
+                  </a:solidFill>
+                  <a:latin typeface="Calibri" panose="020F0502020204030204" pitchFamily="34" charset="0"/>
+                  <a:ea typeface="宋体" panose="02010600030101010101" pitchFamily="2" charset="-122"/>
+                </a:defRPr>
+              </a:lvl1pPr>
+              <a:lvl2pPr marL="742950" indent="-285750">
+                <a:lnSpc>
+                  <a:spcPct val="90000"/>
+                </a:lnSpc>
+                <a:spcBef>
+                  <a:spcPts val="500"/>
+                </a:spcBef>
+                <a:buFont typeface="Arial" panose="020B0604020202020204" pitchFamily="34" charset="0"/>
+                <a:buChar char="•"/>
+                <a:defRPr sz="2400">
+                  <a:solidFill>
+                    <a:schemeClr val="tx1"/>
+                  </a:solidFill>
+                  <a:latin typeface="Calibri" panose="020F0502020204030204" pitchFamily="34" charset="0"/>
+                  <a:ea typeface="宋体" panose="02010600030101010101" pitchFamily="2" charset="-122"/>
+                </a:defRPr>
+              </a:lvl2pPr>
+              <a:lvl3pPr marL="1143000" indent="-228600">
+                <a:lnSpc>
+                  <a:spcPct val="90000"/>
+                </a:lnSpc>
+                <a:spcBef>
+                  <a:spcPts val="500"/>
+                </a:spcBef>
+                <a:buFont typeface="Arial" panose="020B0604020202020204" pitchFamily="34" charset="0"/>
+                <a:buChar char="•"/>
+                <a:defRPr sz="2000">
+                  <a:solidFill>
+                    <a:schemeClr val="tx1"/>
+                  </a:solidFill>
+                  <a:latin typeface="Calibri" panose="020F0502020204030204" pitchFamily="34" charset="0"/>
+                  <a:ea typeface="宋体" panose="02010600030101010101" pitchFamily="2" charset="-122"/>
+                </a:defRPr>
+              </a:lvl3pPr>
+              <a:lvl4pPr marL="1600200" indent="-228600">
+                <a:lnSpc>
+                  <a:spcPct val="90000"/>
+                </a:lnSpc>
+                <a:spcBef>
+                  <a:spcPts val="500"/>
+                </a:spcBef>
+                <a:buFont typeface="Arial" panose="020B0604020202020204" pitchFamily="34" charset="0"/>
+                <a:buChar char="•"/>
+                <a:defRPr>
+                  <a:solidFill>
+                    <a:schemeClr val="tx1"/>
+                  </a:solidFill>
+                  <a:latin typeface="Calibri" panose="020F0502020204030204" pitchFamily="34" charset="0"/>
+                  <a:ea typeface="宋体" panose="02010600030101010101" pitchFamily="2" charset="-122"/>
+                </a:defRPr>
+              </a:lvl4pPr>
+              <a:lvl5pPr marL="2057400" indent="-228600">
+                <a:lnSpc>
+                  <a:spcPct val="90000"/>
+                </a:lnSpc>
+                <a:spcBef>
+                  <a:spcPts val="500"/>
+                </a:spcBef>
+                <a:buFont typeface="Arial" panose="020B0604020202020204" pitchFamily="34" charset="0"/>
+                <a:buChar char="•"/>
+                <a:defRPr>
+                  <a:solidFill>
+                    <a:schemeClr val="tx1"/>
+                  </a:solidFill>
+                  <a:latin typeface="Calibri" panose="020F0502020204030204" pitchFamily="34" charset="0"/>
+                  <a:ea typeface="宋体" panose="02010600030101010101" pitchFamily="2" charset="-122"/>
+                </a:defRPr>
+              </a:lvl5pPr>
+              <a:lvl6pPr marL="2514600" indent="-228600" eaLnBrk="0" fontAlgn="base" hangingPunct="0">
+                <a:lnSpc>
+                  <a:spcPct val="90000"/>
+                </a:lnSpc>
+                <a:spcBef>
+                  <a:spcPts val="500"/>
+                </a:spcBef>
+                <a:spcAft>
+                  <a:spcPct val="0"/>
+                </a:spcAft>
+                <a:buFont typeface="Arial" panose="020B0604020202020204" pitchFamily="34" charset="0"/>
+                <a:buChar char="•"/>
+                <a:defRPr>
+                  <a:solidFill>
+                    <a:schemeClr val="tx1"/>
+                  </a:solidFill>
+                  <a:latin typeface="Calibri" panose="020F0502020204030204" pitchFamily="34" charset="0"/>
+                  <a:ea typeface="宋体" panose="02010600030101010101" pitchFamily="2" charset="-122"/>
+                </a:defRPr>
+              </a:lvl6pPr>
+              <a:lvl7pPr marL="2971800" indent="-228600" eaLnBrk="0" fontAlgn="base" hangingPunct="0">
+                <a:lnSpc>
+                  <a:spcPct val="90000"/>
+                </a:lnSpc>
+                <a:spcBef>
+                  <a:spcPts val="500"/>
+                </a:spcBef>
+                <a:spcAft>
+                  <a:spcPct val="0"/>
+                </a:spcAft>
+                <a:buFont typeface="Arial" panose="020B0604020202020204" pitchFamily="34" charset="0"/>
+                <a:buChar char="•"/>
+                <a:defRPr>
+                  <a:solidFill>
+                    <a:schemeClr val="tx1"/>
+                  </a:solidFill>
+                  <a:latin typeface="Calibri" panose="020F0502020204030204" pitchFamily="34" charset="0"/>
+                  <a:ea typeface="宋体" panose="02010600030101010101" pitchFamily="2" charset="-122"/>
+                </a:defRPr>
+              </a:lvl7pPr>
+              <a:lvl8pPr marL="3429000" indent="-228600" eaLnBrk="0" fontAlgn="base" hangingPunct="0">
+                <a:lnSpc>
+                  <a:spcPct val="90000"/>
+                </a:lnSpc>
+                <a:spcBef>
+                  <a:spcPts val="500"/>
+                </a:spcBef>
+                <a:spcAft>
+                  <a:spcPct val="0"/>
+                </a:spcAft>
+                <a:buFont typeface="Arial" panose="020B0604020202020204" pitchFamily="34" charset="0"/>
+                <a:buChar char="•"/>
+                <a:defRPr>
+                  <a:solidFill>
+                    <a:schemeClr val="tx1"/>
+                  </a:solidFill>
+                  <a:latin typeface="Calibri" panose="020F0502020204030204" pitchFamily="34" charset="0"/>
+                  <a:ea typeface="宋体" panose="02010600030101010101" pitchFamily="2" charset="-122"/>
+                </a:defRPr>
+              </a:lvl8pPr>
+              <a:lvl9pPr marL="3886200" indent="-228600" eaLnBrk="0" fontAlgn="base" hangingPunct="0">
+                <a:lnSpc>
+                  <a:spcPct val="90000"/>
+                </a:lnSpc>
+                <a:spcBef>
+                  <a:spcPts val="500"/>
+                </a:spcBef>
+                <a:spcAft>
+                  <a:spcPct val="0"/>
+                </a:spcAft>
+                <a:buFont typeface="Arial" panose="020B0604020202020204" pitchFamily="34" charset="0"/>
+                <a:buChar char="•"/>
+                <a:defRPr>
+                  <a:solidFill>
+                    <a:schemeClr val="tx1"/>
+                  </a:solidFill>
+                  <a:latin typeface="Calibri" panose="020F0502020204030204" pitchFamily="34" charset="0"/>
+                  <a:ea typeface="宋体" panose="02010600030101010101" pitchFamily="2" charset="-122"/>
+                </a:defRPr>
+              </a:lvl9pPr>
+            </a:lstStyle>
+            <a:p>
+              <a:pPr eaLnBrk="1" hangingPunct="1">
+                <a:lnSpc>
+                  <a:spcPct val="100000"/>
+                </a:lnSpc>
+                <a:spcBef>
+                  <a:spcPct val="0"/>
+                </a:spcBef>
+                <a:buFont typeface="Arial" panose="020B0604020202020204" pitchFamily="34" charset="0"/>
+                <a:buNone/>
+              </a:pPr>
+              <a:r>
+                <a:rPr lang="zh-CN" altLang="en-US" sz="1800" b="1" dirty="0">
+                  <a:solidFill>
+                    <a:schemeClr val="bg1"/>
+                  </a:solidFill>
+                  <a:latin typeface="微软雅黑" panose="020B0503020204020204" pitchFamily="34" charset="-122"/>
+                  <a:ea typeface="微软雅黑" panose="020B0503020204020204" pitchFamily="34" charset="-122"/>
+                </a:rPr>
+                <a:t>算法解析</a:t>
+              </a:r>
+            </a:p>
+          </p:txBody>
+        </p:sp>
+      </p:grpSp>
+      <p:pic>
+        <p:nvPicPr>
+          <p:cNvPr id="5" name="图片 1">
+            <a:extLst>
+              <a:ext uri="{FF2B5EF4-FFF2-40B4-BE49-F238E27FC236}">
+                <a16:creationId xmlns:a16="http://schemas.microsoft.com/office/drawing/2014/main" id="{C4EEE81E-9175-42BE-AE5E-EC3F6291634F}"/>
+              </a:ext>
+            </a:extLst>
+          </p:cNvPr>
+          <p:cNvPicPr>
+            <a:picLocks noChangeAspect="1" noChangeArrowheads="1"/>
+          </p:cNvPicPr>
+          <p:nvPr/>
+        </p:nvPicPr>
+        <p:blipFill>
+          <a:blip r:embed="rId3">
+            <a:extLst>
+              <a:ext uri="{28A0092B-C50C-407E-A947-70E740481C1C}">
+                <a14:useLocalDpi xmlns:a14="http://schemas.microsoft.com/office/drawing/2010/main" val="0"/>
+              </a:ext>
+            </a:extLst>
+          </a:blip>
+          <a:srcRect/>
+          <a:stretch>
+            <a:fillRect/>
+          </a:stretch>
+        </p:blipFill>
+        <p:spPr bwMode="auto">
+          <a:xfrm>
+            <a:off x="7726363" y="1014413"/>
+            <a:ext cx="3160712" cy="4892675"/>
+          </a:xfrm>
+          <a:prstGeom prst="rect">
+            <a:avLst/>
+          </a:prstGeom>
+          <a:noFill/>
+          <a:ln>
+            <a:noFill/>
+          </a:ln>
+          <a:extLst>
+            <a:ext uri="{909E8E84-426E-40DD-AFC4-6F175D3DCCD1}">
+              <a14:hiddenFill xmlns:a14="http://schemas.microsoft.com/office/drawing/2010/main">
+                <a:solidFill>
+                  <a:srgbClr val="FFFFFF"/>
+                </a:solidFill>
+              </a14:hiddenFill>
+            </a:ext>
+            <a:ext uri="{91240B29-F687-4F45-9708-019B960494DF}">
+              <a14:hiddenLine xmlns:a14="http://schemas.microsoft.com/office/drawing/2010/main" w="9525">
+                <a:solidFill>
+                  <a:srgbClr val="000000"/>
+                </a:solidFill>
+                <a:miter lim="800000"/>
+                <a:headEnd/>
+                <a:tailEnd/>
+              </a14:hiddenLine>
+            </a:ext>
+          </a:extLst>
+        </p:spPr>
+      </p:pic>
+      <p:sp>
+        <p:nvSpPr>
+          <p:cNvPr id="8" name="矩形 7">
+            <a:extLst>
+              <a:ext uri="{FF2B5EF4-FFF2-40B4-BE49-F238E27FC236}">
+                <a16:creationId xmlns:a16="http://schemas.microsoft.com/office/drawing/2014/main" id="{070D84CC-972E-4951-B8B3-539EE46933C6}"/>
+              </a:ext>
+            </a:extLst>
+          </p:cNvPr>
+          <p:cNvSpPr>
+            <a:spLocks noChangeArrowheads="1"/>
+          </p:cNvSpPr>
+          <p:nvPr/>
+        </p:nvSpPr>
+        <p:spPr bwMode="auto">
+          <a:xfrm>
+            <a:off x="724806" y="1952875"/>
+            <a:ext cx="6598346" cy="4890891"/>
+          </a:xfrm>
+          <a:prstGeom prst="rect">
+            <a:avLst/>
+          </a:prstGeom>
+          <a:noFill/>
+          <a:ln>
+            <a:noFill/>
+          </a:ln>
+          <a:extLst>
+            <a:ext uri="{909E8E84-426E-40DD-AFC4-6F175D3DCCD1}">
+              <a14:hiddenFill xmlns:a14="http://schemas.microsoft.com/office/drawing/2010/main">
+                <a:solidFill>
+                  <a:srgbClr val="FFFFFF"/>
+                </a:solidFill>
+              </a14:hiddenFill>
+            </a:ext>
+            <a:ext uri="{91240B29-F687-4F45-9708-019B960494DF}">
+              <a14:hiddenLine xmlns:a14="http://schemas.microsoft.com/office/drawing/2010/main" w="9525">
+                <a:solidFill>
+                  <a:srgbClr val="000000"/>
+                </a:solidFill>
+                <a:miter lim="800000"/>
+                <a:headEnd/>
+                <a:tailEnd/>
+              </a14:hiddenLine>
+            </a:ext>
+          </a:extLst>
+        </p:spPr>
+        <p:txBody>
+          <a:bodyPr wrap="square">
+            <a:spAutoFit/>
+          </a:bodyPr>
+          <a:lstStyle>
+            <a:lvl1pPr>
+              <a:lnSpc>
+                <a:spcPct val="90000"/>
+              </a:lnSpc>
+              <a:spcBef>
+                <a:spcPts val="1000"/>
+              </a:spcBef>
+              <a:buFont typeface="Arial" panose="020B0604020202020204" pitchFamily="34" charset="0"/>
+              <a:buChar char="•"/>
+              <a:defRPr sz="2800">
+                <a:solidFill>
+                  <a:schemeClr val="tx1"/>
+                </a:solidFill>
+                <a:latin typeface="Calibri" panose="020F0502020204030204" pitchFamily="34" charset="0"/>
+                <a:ea typeface="宋体" panose="02010600030101010101" pitchFamily="2" charset="-122"/>
+              </a:defRPr>
+            </a:lvl1pPr>
+            <a:lvl2pPr marL="742950" indent="-285750">
+              <a:lnSpc>
+                <a:spcPct val="90000"/>
+              </a:lnSpc>
+              <a:spcBef>
+                <a:spcPts val="500"/>
+              </a:spcBef>
+              <a:buFont typeface="Arial" panose="020B0604020202020204" pitchFamily="34" charset="0"/>
+              <a:buChar char="•"/>
+              <a:defRPr sz="2400">
+                <a:solidFill>
+                  <a:schemeClr val="tx1"/>
+                </a:solidFill>
+                <a:latin typeface="Calibri" panose="020F0502020204030204" pitchFamily="34" charset="0"/>
+                <a:ea typeface="宋体" panose="02010600030101010101" pitchFamily="2" charset="-122"/>
+              </a:defRPr>
+            </a:lvl2pPr>
+            <a:lvl3pPr marL="1143000" indent="-228600">
+              <a:lnSpc>
+                <a:spcPct val="90000"/>
+              </a:lnSpc>
+              <a:spcBef>
+                <a:spcPts val="500"/>
+              </a:spcBef>
+              <a:buFont typeface="Arial" panose="020B0604020202020204" pitchFamily="34" charset="0"/>
+              <a:buChar char="•"/>
+              <a:defRPr sz="2000">
+                <a:solidFill>
+                  <a:schemeClr val="tx1"/>
+                </a:solidFill>
+                <a:latin typeface="Calibri" panose="020F0502020204030204" pitchFamily="34" charset="0"/>
+                <a:ea typeface="宋体" panose="02010600030101010101" pitchFamily="2" charset="-122"/>
+              </a:defRPr>
+            </a:lvl3pPr>
+            <a:lvl4pPr marL="1600200" indent="-228600">
+              <a:lnSpc>
+                <a:spcPct val="90000"/>
+              </a:lnSpc>
+              <a:spcBef>
+                <a:spcPts val="500"/>
+              </a:spcBef>
+              <a:buFont typeface="Arial" panose="020B0604020202020204" pitchFamily="34" charset="0"/>
+              <a:buChar char="•"/>
+              <a:defRPr>
+                <a:solidFill>
+                  <a:schemeClr val="tx1"/>
+                </a:solidFill>
+                <a:latin typeface="Calibri" panose="020F0502020204030204" pitchFamily="34" charset="0"/>
+                <a:ea typeface="宋体" panose="02010600030101010101" pitchFamily="2" charset="-122"/>
+              </a:defRPr>
+            </a:lvl4pPr>
+            <a:lvl5pPr marL="2057400" indent="-228600">
+              <a:lnSpc>
+                <a:spcPct val="90000"/>
+              </a:lnSpc>
+              <a:spcBef>
+                <a:spcPts val="500"/>
+              </a:spcBef>
+              <a:buFont typeface="Arial" panose="020B0604020202020204" pitchFamily="34" charset="0"/>
+              <a:buChar char="•"/>
+              <a:defRPr>
+                <a:solidFill>
+                  <a:schemeClr val="tx1"/>
+                </a:solidFill>
+                <a:latin typeface="Calibri" panose="020F0502020204030204" pitchFamily="34" charset="0"/>
+                <a:ea typeface="宋体" panose="02010600030101010101" pitchFamily="2" charset="-122"/>
+              </a:defRPr>
+            </a:lvl5pPr>
+            <a:lvl6pPr marL="2514600" indent="-228600" eaLnBrk="0" fontAlgn="base" hangingPunct="0">
+              <a:lnSpc>
+                <a:spcPct val="90000"/>
+              </a:lnSpc>
+              <a:spcBef>
+                <a:spcPts val="500"/>
+              </a:spcBef>
+              <a:spcAft>
+                <a:spcPct val="0"/>
+              </a:spcAft>
+              <a:buFont typeface="Arial" panose="020B0604020202020204" pitchFamily="34" charset="0"/>
+              <a:buChar char="•"/>
+              <a:defRPr>
+                <a:solidFill>
+                  <a:schemeClr val="tx1"/>
+                </a:solidFill>
+                <a:latin typeface="Calibri" panose="020F0502020204030204" pitchFamily="34" charset="0"/>
+                <a:ea typeface="宋体" panose="02010600030101010101" pitchFamily="2" charset="-122"/>
+              </a:defRPr>
+            </a:lvl6pPr>
+            <a:lvl7pPr marL="2971800" indent="-228600" eaLnBrk="0" fontAlgn="base" hangingPunct="0">
+              <a:lnSpc>
+                <a:spcPct val="90000"/>
+              </a:lnSpc>
+              <a:spcBef>
+                <a:spcPts val="500"/>
+              </a:spcBef>
+              <a:spcAft>
+                <a:spcPct val="0"/>
+              </a:spcAft>
+              <a:buFont typeface="Arial" panose="020B0604020202020204" pitchFamily="34" charset="0"/>
+              <a:buChar char="•"/>
+              <a:defRPr>
+                <a:solidFill>
+                  <a:schemeClr val="tx1"/>
+                </a:solidFill>
+                <a:latin typeface="Calibri" panose="020F0502020204030204" pitchFamily="34" charset="0"/>
+                <a:ea typeface="宋体" panose="02010600030101010101" pitchFamily="2" charset="-122"/>
+              </a:defRPr>
+            </a:lvl7pPr>
+            <a:lvl8pPr marL="3429000" indent="-228600" eaLnBrk="0" fontAlgn="base" hangingPunct="0">
+              <a:lnSpc>
+                <a:spcPct val="90000"/>
+              </a:lnSpc>
+              <a:spcBef>
+                <a:spcPts val="500"/>
+              </a:spcBef>
+              <a:spcAft>
+                <a:spcPct val="0"/>
+              </a:spcAft>
+              <a:buFont typeface="Arial" panose="020B0604020202020204" pitchFamily="34" charset="0"/>
+              <a:buChar char="•"/>
+              <a:defRPr>
+                <a:solidFill>
+                  <a:schemeClr val="tx1"/>
+                </a:solidFill>
+                <a:latin typeface="Calibri" panose="020F0502020204030204" pitchFamily="34" charset="0"/>
+                <a:ea typeface="宋体" panose="02010600030101010101" pitchFamily="2" charset="-122"/>
+              </a:defRPr>
+            </a:lvl8pPr>
+            <a:lvl9pPr marL="3886200" indent="-228600" eaLnBrk="0" fontAlgn="base" hangingPunct="0">
+              <a:lnSpc>
+                <a:spcPct val="90000"/>
+              </a:lnSpc>
+              <a:spcBef>
+                <a:spcPts val="500"/>
+              </a:spcBef>
+              <a:spcAft>
+                <a:spcPct val="0"/>
+              </a:spcAft>
+              <a:buFont typeface="Arial" panose="020B0604020202020204" pitchFamily="34" charset="0"/>
+              <a:buChar char="•"/>
+              <a:defRPr>
+                <a:solidFill>
+                  <a:schemeClr val="tx1"/>
+                </a:solidFill>
+                <a:latin typeface="Calibri" panose="020F0502020204030204" pitchFamily="34" charset="0"/>
+                <a:ea typeface="宋体" panose="02010600030101010101" pitchFamily="2" charset="-122"/>
+              </a:defRPr>
+            </a:lvl9pPr>
+          </a:lstStyle>
+          <a:p>
+            <a:pPr>
+              <a:lnSpc>
+                <a:spcPct val="150000"/>
+              </a:lnSpc>
+              <a:spcBef>
+                <a:spcPct val="0"/>
+              </a:spcBef>
+              <a:buNone/>
+            </a:pPr>
+            <a:r>
+              <a:rPr lang="zh-CN" altLang="en-US" sz="1800" dirty="0">
+                <a:latin typeface="微软雅黑" panose="020B0503020204020204" pitchFamily="34" charset="-122"/>
+                <a:ea typeface="微软雅黑" panose="020B0503020204020204" pitchFamily="34" charset="-122"/>
+              </a:rPr>
+              <a:t>（</a:t>
+            </a:r>
+            <a:r>
+              <a:rPr lang="en-US" altLang="zh-CN" sz="1800" dirty="0">
+                <a:latin typeface="微软雅黑" panose="020B0503020204020204" pitchFamily="34" charset="-122"/>
+                <a:ea typeface="微软雅黑" panose="020B0503020204020204" pitchFamily="34" charset="-122"/>
+              </a:rPr>
+              <a:t>1</a:t>
+            </a:r>
+            <a:r>
+              <a:rPr lang="zh-CN" altLang="en-US" sz="1800" dirty="0">
+                <a:latin typeface="微软雅黑" panose="020B0503020204020204" pitchFamily="34" charset="-122"/>
+                <a:ea typeface="微软雅黑" panose="020B0503020204020204" pitchFamily="34" charset="-122"/>
+              </a:rPr>
+              <a:t>）建立</a:t>
+            </a:r>
+            <a:r>
+              <a:rPr lang="en-US" altLang="zh-CN" sz="1800" dirty="0">
+                <a:latin typeface="微软雅黑" panose="020B0503020204020204" pitchFamily="34" charset="-122"/>
+                <a:ea typeface="微软雅黑" panose="020B0503020204020204" pitchFamily="34" charset="-122"/>
+              </a:rPr>
+              <a:t>server</a:t>
+            </a:r>
+            <a:r>
+              <a:rPr lang="zh-CN" altLang="en-US" sz="1800" dirty="0">
+                <a:latin typeface="微软雅黑" panose="020B0503020204020204" pitchFamily="34" charset="-122"/>
+                <a:ea typeface="微软雅黑" panose="020B0503020204020204" pitchFamily="34" charset="-122"/>
+              </a:rPr>
+              <a:t>类构造基于套接字库的</a:t>
+            </a:r>
+            <a:r>
+              <a:rPr lang="en-US" altLang="zh-CN" sz="1800" dirty="0">
+                <a:latin typeface="微软雅黑" panose="020B0503020204020204" pitchFamily="34" charset="-122"/>
+                <a:ea typeface="微软雅黑" panose="020B0503020204020204" pitchFamily="34" charset="-122"/>
+              </a:rPr>
+              <a:t>TCP</a:t>
+            </a:r>
+            <a:r>
+              <a:rPr lang="zh-CN" altLang="en-US" sz="1800" dirty="0">
+                <a:latin typeface="微软雅黑" panose="020B0503020204020204" pitchFamily="34" charset="-122"/>
+                <a:ea typeface="微软雅黑" panose="020B0503020204020204" pitchFamily="34" charset="-122"/>
+              </a:rPr>
+              <a:t>连接，步骤如下：</a:t>
+            </a:r>
+            <a:endParaRPr lang="en-US" altLang="zh-CN" sz="1800" dirty="0">
+              <a:latin typeface="微软雅黑" panose="020B0503020204020204" pitchFamily="34" charset="-122"/>
+              <a:ea typeface="微软雅黑" panose="020B0503020204020204" pitchFamily="34" charset="-122"/>
+            </a:endParaRPr>
+          </a:p>
+          <a:p>
+            <a:pPr>
+              <a:lnSpc>
+                <a:spcPct val="150000"/>
+              </a:lnSpc>
+              <a:spcBef>
+                <a:spcPct val="0"/>
+              </a:spcBef>
+              <a:buNone/>
+            </a:pPr>
+            <a:r>
+              <a:rPr lang="en-US" altLang="zh-CN" sz="1800" dirty="0">
+                <a:latin typeface="微软雅黑" panose="020B0503020204020204" pitchFamily="34" charset="-122"/>
+                <a:ea typeface="微软雅黑" panose="020B0503020204020204" pitchFamily="34" charset="-122"/>
+              </a:rPr>
+              <a:t>	</a:t>
+            </a:r>
+            <a:r>
+              <a:rPr lang="en-US" altLang="zh-CN" sz="1600" dirty="0">
+                <a:latin typeface="微软雅黑" panose="020B0503020204020204" pitchFamily="34" charset="-122"/>
+                <a:ea typeface="微软雅黑" panose="020B0503020204020204" pitchFamily="34" charset="-122"/>
+              </a:rPr>
+              <a:t>a</a:t>
+            </a:r>
+            <a:r>
+              <a:rPr lang="zh-CN" altLang="en-US" sz="1600" dirty="0">
+                <a:latin typeface="微软雅黑" panose="020B0503020204020204" pitchFamily="34" charset="-122"/>
+                <a:ea typeface="微软雅黑" panose="020B0503020204020204" pitchFamily="34" charset="-122"/>
+              </a:rPr>
+              <a:t>、加载套接字库，创建套接字</a:t>
+            </a:r>
+            <a:r>
+              <a:rPr lang="en-US" altLang="zh-CN" sz="1600" dirty="0">
+                <a:latin typeface="微软雅黑" panose="020B0503020204020204" pitchFamily="34" charset="-122"/>
+                <a:ea typeface="微软雅黑" panose="020B0503020204020204" pitchFamily="34" charset="-122"/>
+              </a:rPr>
+              <a:t>(</a:t>
+            </a:r>
+            <a:r>
+              <a:rPr lang="en-US" altLang="zh-CN" sz="1600" dirty="0" err="1">
+                <a:latin typeface="微软雅黑" panose="020B0503020204020204" pitchFamily="34" charset="-122"/>
+                <a:ea typeface="微软雅黑" panose="020B0503020204020204" pitchFamily="34" charset="-122"/>
+              </a:rPr>
+              <a:t>WSAStartup</a:t>
+            </a:r>
+            <a:r>
+              <a:rPr lang="en-US" altLang="zh-CN" sz="1600" dirty="0">
+                <a:latin typeface="微软雅黑" panose="020B0503020204020204" pitchFamily="34" charset="-122"/>
+                <a:ea typeface="微软雅黑" panose="020B0503020204020204" pitchFamily="34" charset="-122"/>
+              </a:rPr>
+              <a:t>() / socket())</a:t>
+            </a:r>
+            <a:r>
+              <a:rPr lang="zh-CN" altLang="en-US" sz="1600" dirty="0">
+                <a:latin typeface="微软雅黑" panose="020B0503020204020204" pitchFamily="34" charset="-122"/>
+                <a:ea typeface="微软雅黑" panose="020B0503020204020204" pitchFamily="34" charset="-122"/>
+              </a:rPr>
+              <a:t>； </a:t>
+            </a:r>
+            <a:endParaRPr lang="zh-CN" altLang="en-US" sz="1800" dirty="0">
+              <a:latin typeface="微软雅黑" panose="020B0503020204020204" pitchFamily="34" charset="-122"/>
+              <a:ea typeface="微软雅黑" panose="020B0503020204020204" pitchFamily="34" charset="-122"/>
+            </a:endParaRPr>
+          </a:p>
+          <a:p>
+            <a:pPr>
+              <a:lnSpc>
+                <a:spcPct val="150000"/>
+              </a:lnSpc>
+              <a:spcBef>
+                <a:spcPct val="0"/>
+              </a:spcBef>
+              <a:buNone/>
+            </a:pPr>
+            <a:r>
+              <a:rPr lang="en-US" altLang="zh-CN" sz="1600" dirty="0">
+                <a:latin typeface="微软雅黑" panose="020B0503020204020204" pitchFamily="34" charset="-122"/>
+                <a:ea typeface="微软雅黑" panose="020B0503020204020204" pitchFamily="34" charset="-122"/>
+              </a:rPr>
+              <a:t>               b</a:t>
+            </a:r>
+            <a:r>
+              <a:rPr lang="zh-CN" altLang="en-US" sz="1600" dirty="0">
+                <a:latin typeface="微软雅黑" panose="020B0503020204020204" pitchFamily="34" charset="-122"/>
+                <a:ea typeface="微软雅黑" panose="020B0503020204020204" pitchFamily="34" charset="-122"/>
+              </a:rPr>
+              <a:t>、若为服务端，执行相应操作</a:t>
+            </a:r>
+            <a:r>
+              <a:rPr lang="en-US" altLang="zh-CN" sz="1600" dirty="0">
+                <a:latin typeface="微软雅黑" panose="020B0503020204020204" pitchFamily="34" charset="-122"/>
+                <a:ea typeface="微软雅黑" panose="020B0503020204020204" pitchFamily="34" charset="-122"/>
+              </a:rPr>
+              <a:t>(bind()</a:t>
+            </a:r>
+            <a:r>
+              <a:rPr lang="zh-CN" altLang="en-US" sz="1600" dirty="0">
+                <a:latin typeface="微软雅黑" panose="020B0503020204020204" pitchFamily="34" charset="-122"/>
+                <a:ea typeface="微软雅黑" panose="020B0503020204020204" pitchFamily="34" charset="-122"/>
+              </a:rPr>
+              <a:t>，</a:t>
+            </a:r>
+            <a:r>
+              <a:rPr lang="en-US" altLang="zh-CN" sz="1600" dirty="0">
+                <a:latin typeface="微软雅黑" panose="020B0503020204020204" pitchFamily="34" charset="-122"/>
+                <a:ea typeface="微软雅黑" panose="020B0503020204020204" pitchFamily="34" charset="-122"/>
+              </a:rPr>
+              <a:t>listen()</a:t>
+            </a:r>
+            <a:r>
+              <a:rPr lang="zh-CN" altLang="en-US" sz="1600" dirty="0">
+                <a:latin typeface="微软雅黑" panose="020B0503020204020204" pitchFamily="34" charset="-122"/>
+                <a:ea typeface="微软雅黑" panose="020B0503020204020204" pitchFamily="34" charset="-122"/>
+              </a:rPr>
+              <a:t>，</a:t>
+            </a:r>
+            <a:r>
+              <a:rPr lang="en-US" altLang="zh-CN" sz="1600" dirty="0">
+                <a:latin typeface="微软雅黑" panose="020B0503020204020204" pitchFamily="34" charset="-122"/>
+                <a:ea typeface="微软雅黑" panose="020B0503020204020204" pitchFamily="34" charset="-122"/>
+              </a:rPr>
+              <a:t>accept())</a:t>
+            </a:r>
+            <a:r>
+              <a:rPr lang="zh-CN" altLang="en-US" sz="1600" dirty="0">
+                <a:latin typeface="微软雅黑" panose="020B0503020204020204" pitchFamily="34" charset="-122"/>
+                <a:ea typeface="微软雅黑" panose="020B0503020204020204" pitchFamily="34" charset="-122"/>
+              </a:rPr>
+              <a:t>开启服务器；若为客服端，执行相应操作（</a:t>
+            </a:r>
+            <a:r>
+              <a:rPr lang="en-US" altLang="zh-CN" sz="1600" dirty="0">
+                <a:latin typeface="微软雅黑" panose="020B0503020204020204" pitchFamily="34" charset="-122"/>
+                <a:ea typeface="微软雅黑" panose="020B0503020204020204" pitchFamily="34" charset="-122"/>
+              </a:rPr>
+              <a:t>connect()</a:t>
+            </a:r>
+            <a:r>
+              <a:rPr lang="zh-CN" altLang="en-US" sz="1600" dirty="0">
+                <a:latin typeface="微软雅黑" panose="020B0503020204020204" pitchFamily="34" charset="-122"/>
+                <a:ea typeface="微软雅黑" panose="020B0503020204020204" pitchFamily="34" charset="-122"/>
+              </a:rPr>
+              <a:t>）开启客户端；</a:t>
+            </a:r>
+            <a:endParaRPr lang="en-US" altLang="zh-CN" sz="1600" dirty="0">
+              <a:latin typeface="微软雅黑" panose="020B0503020204020204" pitchFamily="34" charset="-122"/>
+              <a:ea typeface="微软雅黑" panose="020B0503020204020204" pitchFamily="34" charset="-122"/>
+            </a:endParaRPr>
+          </a:p>
+          <a:p>
+            <a:pPr>
+              <a:lnSpc>
+                <a:spcPct val="150000"/>
+              </a:lnSpc>
+              <a:spcBef>
+                <a:spcPct val="0"/>
+              </a:spcBef>
+              <a:buNone/>
+            </a:pPr>
+            <a:r>
+              <a:rPr lang="en-US" altLang="zh-CN" sz="1600" dirty="0">
+                <a:latin typeface="微软雅黑" panose="020B0503020204020204" pitchFamily="34" charset="-122"/>
+                <a:ea typeface="微软雅黑" panose="020B0503020204020204" pitchFamily="34" charset="-122"/>
+              </a:rPr>
+              <a:t>	c</a:t>
+            </a:r>
+            <a:r>
+              <a:rPr lang="zh-CN" altLang="en-US" sz="1600" dirty="0">
+                <a:latin typeface="微软雅黑" panose="020B0503020204020204" pitchFamily="34" charset="-122"/>
+                <a:ea typeface="微软雅黑" panose="020B0503020204020204" pitchFamily="34" charset="-122"/>
+              </a:rPr>
+              <a:t>、建立发送信息函数（</a:t>
+            </a:r>
+            <a:r>
+              <a:rPr lang="en-US" altLang="zh-CN" sz="1600" dirty="0" err="1">
+                <a:latin typeface="微软雅黑" panose="020B0503020204020204" pitchFamily="34" charset="-122"/>
+                <a:ea typeface="微软雅黑" panose="020B0503020204020204" pitchFamily="34" charset="-122"/>
+              </a:rPr>
+              <a:t>msg_send</a:t>
+            </a:r>
+            <a:r>
+              <a:rPr lang="en-US" altLang="zh-CN" sz="1600" dirty="0">
+                <a:latin typeface="微软雅黑" panose="020B0503020204020204" pitchFamily="34" charset="-122"/>
+                <a:ea typeface="微软雅黑" panose="020B0503020204020204" pitchFamily="34" charset="-122"/>
+              </a:rPr>
+              <a:t>()</a:t>
+            </a:r>
+            <a:r>
+              <a:rPr lang="zh-CN" altLang="en-US" sz="1600" dirty="0">
+                <a:latin typeface="微软雅黑" panose="020B0503020204020204" pitchFamily="34" charset="-122"/>
+                <a:ea typeface="微软雅黑" panose="020B0503020204020204" pitchFamily="34" charset="-122"/>
+              </a:rPr>
+              <a:t>）；</a:t>
+            </a:r>
+            <a:endParaRPr lang="en-US" altLang="zh-CN" sz="1800" dirty="0">
+              <a:latin typeface="微软雅黑" panose="020B0503020204020204" pitchFamily="34" charset="-122"/>
+              <a:ea typeface="微软雅黑" panose="020B0503020204020204" pitchFamily="34" charset="-122"/>
+            </a:endParaRPr>
+          </a:p>
+          <a:p>
+            <a:pPr>
+              <a:lnSpc>
+                <a:spcPct val="150000"/>
+              </a:lnSpc>
+              <a:spcBef>
+                <a:spcPct val="0"/>
+              </a:spcBef>
+              <a:buNone/>
+            </a:pPr>
+            <a:r>
+              <a:rPr lang="zh-CN" altLang="en-US" sz="1800" dirty="0">
+                <a:latin typeface="微软雅黑" panose="020B0503020204020204" pitchFamily="34" charset="-122"/>
+                <a:ea typeface="微软雅黑" panose="020B0503020204020204" pitchFamily="34" charset="-122"/>
+              </a:rPr>
+              <a:t>（</a:t>
+            </a:r>
+            <a:r>
+              <a:rPr lang="en-US" altLang="zh-CN" sz="1800" dirty="0">
+                <a:latin typeface="微软雅黑" panose="020B0503020204020204" pitchFamily="34" charset="-122"/>
+                <a:ea typeface="微软雅黑" panose="020B0503020204020204" pitchFamily="34" charset="-122"/>
+              </a:rPr>
+              <a:t>2</a:t>
+            </a:r>
+            <a:r>
+              <a:rPr lang="zh-CN" altLang="en-US" sz="1800" dirty="0">
+                <a:latin typeface="微软雅黑" panose="020B0503020204020204" pitchFamily="34" charset="-122"/>
+                <a:ea typeface="微软雅黑" panose="020B0503020204020204" pitchFamily="34" charset="-122"/>
+              </a:rPr>
+              <a:t>）使用</a:t>
+            </a:r>
+            <a:r>
+              <a:rPr lang="en-US" altLang="zh-CN" sz="1800" dirty="0" err="1">
+                <a:latin typeface="微软雅黑" panose="020B0503020204020204" pitchFamily="34" charset="-122"/>
+                <a:ea typeface="微软雅黑" panose="020B0503020204020204" pitchFamily="34" charset="-122"/>
+              </a:rPr>
+              <a:t>Qthread</a:t>
+            </a:r>
+            <a:r>
+              <a:rPr lang="zh-CN" altLang="en-US" sz="1800" dirty="0">
+                <a:latin typeface="微软雅黑" panose="020B0503020204020204" pitchFamily="34" charset="-122"/>
+                <a:ea typeface="微软雅黑" panose="020B0503020204020204" pitchFamily="34" charset="-122"/>
+              </a:rPr>
+              <a:t>类，定义一个继承</a:t>
+            </a:r>
+            <a:r>
+              <a:rPr lang="en-US" altLang="zh-CN" sz="1800" dirty="0" err="1">
+                <a:latin typeface="微软雅黑" panose="020B0503020204020204" pitchFamily="34" charset="-122"/>
+                <a:ea typeface="微软雅黑" panose="020B0503020204020204" pitchFamily="34" charset="-122"/>
+              </a:rPr>
+              <a:t>QThread</a:t>
+            </a:r>
+            <a:r>
+              <a:rPr lang="zh-CN" altLang="en-US" sz="1800" dirty="0">
+                <a:latin typeface="微软雅黑" panose="020B0503020204020204" pitchFamily="34" charset="-122"/>
+                <a:ea typeface="微软雅黑" panose="020B0503020204020204" pitchFamily="34" charset="-122"/>
+              </a:rPr>
+              <a:t>的类</a:t>
+            </a:r>
+            <a:r>
+              <a:rPr lang="en-US" altLang="zh-CN" sz="1800" dirty="0">
+                <a:latin typeface="微软雅黑" panose="020B0503020204020204" pitchFamily="34" charset="-122"/>
+                <a:ea typeface="微软雅黑" panose="020B0503020204020204" pitchFamily="34" charset="-122"/>
+              </a:rPr>
+              <a:t>Server,</a:t>
+            </a:r>
+            <a:r>
+              <a:rPr lang="zh-CN" altLang="en-US" sz="1800" dirty="0">
+                <a:latin typeface="微软雅黑" panose="020B0503020204020204" pitchFamily="34" charset="-122"/>
+                <a:ea typeface="微软雅黑" panose="020B0503020204020204" pitchFamily="34" charset="-122"/>
+              </a:rPr>
+              <a:t>重载</a:t>
+            </a:r>
+            <a:r>
+              <a:rPr lang="en-US" altLang="zh-CN" sz="1800" dirty="0">
+                <a:latin typeface="微软雅黑" panose="020B0503020204020204" pitchFamily="34" charset="-122"/>
+                <a:ea typeface="微软雅黑" panose="020B0503020204020204" pitchFamily="34" charset="-122"/>
+              </a:rPr>
+              <a:t>run()</a:t>
+            </a:r>
+            <a:r>
+              <a:rPr lang="zh-CN" altLang="en-US" sz="1800" dirty="0">
+                <a:latin typeface="微软雅黑" panose="020B0503020204020204" pitchFamily="34" charset="-122"/>
+                <a:ea typeface="微软雅黑" panose="020B0503020204020204" pitchFamily="34" charset="-122"/>
+              </a:rPr>
+              <a:t>函数，在</a:t>
+            </a:r>
+            <a:r>
+              <a:rPr lang="en-US" altLang="zh-CN" sz="1800" dirty="0">
+                <a:latin typeface="微软雅黑" panose="020B0503020204020204" pitchFamily="34" charset="-122"/>
+                <a:ea typeface="微软雅黑" panose="020B0503020204020204" pitchFamily="34" charset="-122"/>
+              </a:rPr>
+              <a:t>run()</a:t>
+            </a:r>
+            <a:r>
+              <a:rPr lang="zh-CN" altLang="en-US" sz="1800" dirty="0">
+                <a:latin typeface="微软雅黑" panose="020B0503020204020204" pitchFamily="34" charset="-122"/>
+                <a:ea typeface="微软雅黑" panose="020B0503020204020204" pitchFamily="34" charset="-122"/>
+              </a:rPr>
+              <a:t>函数中，实现游戏过程中的持续接收，并和</a:t>
+            </a:r>
+            <a:r>
+              <a:rPr lang="en-US" altLang="zh-CN" sz="1800" dirty="0" err="1">
+                <a:latin typeface="微软雅黑" panose="020B0503020204020204" pitchFamily="34" charset="-122"/>
+                <a:ea typeface="微软雅黑" panose="020B0503020204020204" pitchFamily="34" charset="-122"/>
+              </a:rPr>
+              <a:t>ui</a:t>
+            </a:r>
+            <a:r>
+              <a:rPr lang="zh-CN" altLang="en-US" sz="1800" dirty="0">
+                <a:latin typeface="微软雅黑" panose="020B0503020204020204" pitchFamily="34" charset="-122"/>
+                <a:ea typeface="微软雅黑" panose="020B0503020204020204" pitchFamily="34" charset="-122"/>
+              </a:rPr>
+              <a:t>建立信号与槽函数实现交互。</a:t>
+            </a:r>
+            <a:endParaRPr lang="en-US" altLang="zh-CN" sz="1800" dirty="0">
+              <a:latin typeface="微软雅黑" panose="020B0503020204020204" pitchFamily="34" charset="-122"/>
+              <a:ea typeface="微软雅黑" panose="020B0503020204020204" pitchFamily="34" charset="-122"/>
+            </a:endParaRPr>
+          </a:p>
+          <a:p>
+            <a:pPr>
+              <a:lnSpc>
+                <a:spcPct val="150000"/>
+              </a:lnSpc>
+              <a:spcBef>
+                <a:spcPct val="0"/>
+              </a:spcBef>
+              <a:buNone/>
+            </a:pPr>
+            <a:r>
+              <a:rPr lang="zh-CN" altLang="en-US" sz="1800" dirty="0">
+                <a:latin typeface="微软雅黑" panose="020B0503020204020204" pitchFamily="34" charset="-122"/>
+                <a:ea typeface="微软雅黑" panose="020B0503020204020204" pitchFamily="34" charset="-122"/>
+              </a:rPr>
+              <a:t>（</a:t>
+            </a:r>
+            <a:r>
+              <a:rPr lang="en-US" altLang="zh-CN" sz="1800" dirty="0">
+                <a:latin typeface="微软雅黑" panose="020B0503020204020204" pitchFamily="34" charset="-122"/>
+                <a:ea typeface="微软雅黑" panose="020B0503020204020204" pitchFamily="34" charset="-122"/>
+              </a:rPr>
+              <a:t>3</a:t>
+            </a:r>
+            <a:r>
+              <a:rPr lang="zh-CN" altLang="en-US" sz="1800" dirty="0">
+                <a:latin typeface="微软雅黑" panose="020B0503020204020204" pitchFamily="34" charset="-122"/>
+                <a:ea typeface="微软雅黑" panose="020B0503020204020204" pitchFamily="34" charset="-122"/>
+              </a:rPr>
+              <a:t>）使用“枚举”将传输信息标准化，并建立</a:t>
+            </a:r>
+            <a:r>
+              <a:rPr lang="en-US" altLang="zh-CN" sz="1800" dirty="0" err="1">
+                <a:latin typeface="微软雅黑" panose="020B0503020204020204" pitchFamily="34" charset="-122"/>
+                <a:ea typeface="微软雅黑" panose="020B0503020204020204" pitchFamily="34" charset="-122"/>
+              </a:rPr>
+              <a:t>serverMsgItem</a:t>
+            </a:r>
+            <a:r>
+              <a:rPr lang="zh-CN" altLang="en-US" sz="1800" dirty="0">
+                <a:latin typeface="微软雅黑" panose="020B0503020204020204" pitchFamily="34" charset="-122"/>
+                <a:ea typeface="微软雅黑" panose="020B0503020204020204" pitchFamily="34" charset="-122"/>
+              </a:rPr>
+              <a:t>类解析或创建传输信息。</a:t>
+            </a:r>
+          </a:p>
+          <a:p>
+            <a:pPr eaLnBrk="1" hangingPunct="1">
+              <a:lnSpc>
+                <a:spcPct val="150000"/>
+              </a:lnSpc>
+              <a:spcBef>
+                <a:spcPct val="0"/>
+              </a:spcBef>
+              <a:buFont typeface="Arial" panose="020B0604020202020204" pitchFamily="34" charset="0"/>
+              <a:buNone/>
+            </a:pPr>
+            <a:r>
+              <a:rPr lang="zh-CN" altLang="en-US" sz="1800" dirty="0">
+                <a:latin typeface="微软雅黑" panose="020B0503020204020204" pitchFamily="34" charset="-122"/>
+                <a:ea typeface="微软雅黑" panose="020B0503020204020204" pitchFamily="34" charset="-122"/>
+              </a:rPr>
+              <a:t>       </a:t>
+            </a:r>
+            <a:endParaRPr lang="en-US" altLang="zh-CN" sz="1800" dirty="0">
+              <a:latin typeface="微软雅黑" panose="020B0503020204020204" pitchFamily="34" charset="-122"/>
+              <a:ea typeface="微软雅黑" panose="020B0503020204020204" pitchFamily="34" charset="-122"/>
+            </a:endParaRPr>
+          </a:p>
+          <a:p>
+            <a:pPr eaLnBrk="1" hangingPunct="1">
+              <a:lnSpc>
+                <a:spcPct val="150000"/>
+              </a:lnSpc>
+              <a:spcBef>
+                <a:spcPct val="0"/>
+              </a:spcBef>
+              <a:buFont typeface="Arial" panose="020B0604020202020204" pitchFamily="34" charset="0"/>
+              <a:buNone/>
+            </a:pPr>
+            <a:r>
+              <a:rPr lang="zh-CN" altLang="en-US" sz="1800" dirty="0">
+                <a:latin typeface="微软雅黑" panose="020B0503020204020204" pitchFamily="34" charset="-122"/>
+                <a:ea typeface="微软雅黑" panose="020B0503020204020204" pitchFamily="34" charset="-122"/>
+              </a:rPr>
+              <a:t>       </a:t>
+            </a:r>
+            <a:endParaRPr lang="en-US" altLang="zh-CN" sz="1800" dirty="0">
+              <a:latin typeface="微软雅黑" panose="020B0503020204020204" pitchFamily="34" charset="-122"/>
+              <a:ea typeface="微软雅黑" panose="020B0503020204020204" pitchFamily="34" charset="-122"/>
+            </a:endParaRPr>
+          </a:p>
+        </p:txBody>
+      </p:sp>
+    </p:spTree>
+    <p:extLst>
+      <p:ext uri="{BB962C8B-B14F-4D97-AF65-F5344CB8AC3E}">
+        <p14:creationId xmlns:p14="http://schemas.microsoft.com/office/powerpoint/2010/main" val="3137708073"/>
+      </p:ext>
+    </p:extLst>
+  </p:cSld>
+  <p:clrMapOvr>
+    <a:masterClrMapping/>
+  </p:clrMapOvr>
+</p:sld>
+</file>
+
+<file path=ppt/slides/slide25.xml><?xml version="1.0" encoding="utf-8"?>
+<p:sld xmlns:a="http://schemas.openxmlformats.org/drawingml/2006/main" xmlns:r="http://schemas.openxmlformats.org/officeDocument/2006/relationships" xmlns:p="http://schemas.openxmlformats.org/presentationml/2006/main">
+  <p:cSld>
+    <p:spTree>
+      <p:nvGrpSpPr>
+        <p:cNvPr id="1" name=""/>
+        <p:cNvGrpSpPr/>
+        <p:nvPr/>
+      </p:nvGrpSpPr>
+      <p:grpSpPr>
+        <a:xfrm>
+          <a:off x="0" y="0"/>
+          <a:ext cx="0" cy="0"/>
+          <a:chOff x="0" y="0"/>
+          <a:chExt cx="0" cy="0"/>
+        </a:xfrm>
+      </p:grpSpPr>
+      <p:grpSp>
+        <p:nvGrpSpPr>
+          <p:cNvPr id="2" name="组合 9">
+            <a:extLst>
+              <a:ext uri="{FF2B5EF4-FFF2-40B4-BE49-F238E27FC236}">
+                <a16:creationId xmlns:a16="http://schemas.microsoft.com/office/drawing/2014/main" id="{7A6FF0AD-6F55-4723-9AAF-38D46238D192}"/>
+              </a:ext>
+            </a:extLst>
+          </p:cNvPr>
+          <p:cNvGrpSpPr>
+            <a:grpSpLocks/>
+          </p:cNvGrpSpPr>
+          <p:nvPr/>
+        </p:nvGrpSpPr>
+        <p:grpSpPr bwMode="auto">
+          <a:xfrm>
+            <a:off x="438439" y="536575"/>
+            <a:ext cx="4761714" cy="955675"/>
+            <a:chOff x="0" y="0"/>
+            <a:chExt cx="3788756" cy="955148"/>
+          </a:xfrm>
+        </p:grpSpPr>
+        <p:pic>
+          <p:nvPicPr>
+            <p:cNvPr id="3" name="图片 10">
+              <a:extLst>
+                <a:ext uri="{FF2B5EF4-FFF2-40B4-BE49-F238E27FC236}">
+                  <a16:creationId xmlns:a16="http://schemas.microsoft.com/office/drawing/2014/main" id="{779B11FE-61D2-4C40-BFDA-2CC0E588A1B9}"/>
+                </a:ext>
+              </a:extLst>
+            </p:cNvPr>
+            <p:cNvPicPr>
+              <a:picLocks noChangeAspect="1" noChangeArrowheads="1"/>
+            </p:cNvPicPr>
+            <p:nvPr/>
+          </p:nvPicPr>
+          <p:blipFill>
+            <a:blip r:embed="rId2">
+              <a:extLst>
+                <a:ext uri="{28A0092B-C50C-407E-A947-70E740481C1C}">
+                  <a14:useLocalDpi xmlns:a14="http://schemas.microsoft.com/office/drawing/2010/main" val="0"/>
+                </a:ext>
+              </a:extLst>
+            </a:blip>
+            <a:srcRect/>
+            <a:stretch>
+              <a:fillRect/>
+            </a:stretch>
+          </p:blipFill>
+          <p:spPr bwMode="auto">
+            <a:xfrm>
+              <a:off x="0" y="0"/>
+              <a:ext cx="3788756" cy="955148"/>
+            </a:xfrm>
+            <a:prstGeom prst="rect">
+              <a:avLst/>
+            </a:prstGeom>
+            <a:noFill/>
+            <a:ln>
+              <a:noFill/>
+            </a:ln>
+            <a:extLst>
+              <a:ext uri="{909E8E84-426E-40DD-AFC4-6F175D3DCCD1}">
+                <a14:hiddenFill xmlns:a14="http://schemas.microsoft.com/office/drawing/2010/main">
+                  <a:solidFill>
+                    <a:srgbClr val="FFFFFF"/>
+                  </a:solidFill>
+                </a14:hiddenFill>
+              </a:ext>
+              <a:ext uri="{91240B29-F687-4F45-9708-019B960494DF}">
+                <a14:hiddenLine xmlns:a14="http://schemas.microsoft.com/office/drawing/2010/main" w="9525">
+                  <a:solidFill>
+                    <a:srgbClr val="000000"/>
+                  </a:solidFill>
+                  <a:miter lim="800000"/>
+                  <a:headEnd/>
+                  <a:tailEnd/>
+                </a14:hiddenLine>
+              </a:ext>
+            </a:extLst>
+          </p:spPr>
+        </p:pic>
+        <p:sp>
+          <p:nvSpPr>
+            <p:cNvPr id="4" name="文本框 11">
+              <a:extLst>
+                <a:ext uri="{FF2B5EF4-FFF2-40B4-BE49-F238E27FC236}">
+                  <a16:creationId xmlns:a16="http://schemas.microsoft.com/office/drawing/2014/main" id="{43744A05-C86B-4C10-AC2B-3BD8F38F4BCC}"/>
+                </a:ext>
+              </a:extLst>
+            </p:cNvPr>
+            <p:cNvSpPr txBox="1">
+              <a:spLocks noChangeArrowheads="1"/>
+            </p:cNvSpPr>
+            <p:nvPr/>
+          </p:nvSpPr>
+          <p:spPr bwMode="auto">
+            <a:xfrm>
+              <a:off x="327635" y="180329"/>
+              <a:ext cx="1828851" cy="369128"/>
+            </a:xfrm>
+            <a:prstGeom prst="rect">
+              <a:avLst/>
+            </a:prstGeom>
+            <a:noFill/>
+            <a:ln>
+              <a:noFill/>
+            </a:ln>
+            <a:extLst>
+              <a:ext uri="{909E8E84-426E-40DD-AFC4-6F175D3DCCD1}">
+                <a14:hiddenFill xmlns:a14="http://schemas.microsoft.com/office/drawing/2010/main">
+                  <a:solidFill>
+                    <a:srgbClr val="FFFFFF"/>
+                  </a:solidFill>
+                </a14:hiddenFill>
+              </a:ext>
+              <a:ext uri="{91240B29-F687-4F45-9708-019B960494DF}">
+                <a14:hiddenLine xmlns:a14="http://schemas.microsoft.com/office/drawing/2010/main" w="9525">
+                  <a:solidFill>
+                    <a:srgbClr val="000000"/>
+                  </a:solidFill>
+                  <a:miter lim="800000"/>
+                  <a:headEnd/>
+                  <a:tailEnd/>
+                </a14:hiddenLine>
+              </a:ext>
+            </a:extLst>
+          </p:spPr>
+          <p:txBody>
+            <a:bodyPr wrap="square">
+              <a:spAutoFit/>
+            </a:bodyPr>
+            <a:lstStyle>
+              <a:lvl1pPr>
+                <a:lnSpc>
+                  <a:spcPct val="90000"/>
+                </a:lnSpc>
+                <a:spcBef>
+                  <a:spcPts val="1000"/>
+                </a:spcBef>
+                <a:buFont typeface="Arial" panose="020B0604020202020204" pitchFamily="34" charset="0"/>
+                <a:buChar char="•"/>
+                <a:defRPr sz="2800">
+                  <a:solidFill>
+                    <a:schemeClr val="tx1"/>
+                  </a:solidFill>
+                  <a:latin typeface="Calibri" panose="020F0502020204030204" pitchFamily="34" charset="0"/>
+                  <a:ea typeface="宋体" panose="02010600030101010101" pitchFamily="2" charset="-122"/>
+                </a:defRPr>
+              </a:lvl1pPr>
+              <a:lvl2pPr marL="742950" indent="-285750">
+                <a:lnSpc>
+                  <a:spcPct val="90000"/>
+                </a:lnSpc>
+                <a:spcBef>
+                  <a:spcPts val="500"/>
+                </a:spcBef>
+                <a:buFont typeface="Arial" panose="020B0604020202020204" pitchFamily="34" charset="0"/>
+                <a:buChar char="•"/>
+                <a:defRPr sz="2400">
+                  <a:solidFill>
+                    <a:schemeClr val="tx1"/>
+                  </a:solidFill>
+                  <a:latin typeface="Calibri" panose="020F0502020204030204" pitchFamily="34" charset="0"/>
+                  <a:ea typeface="宋体" panose="02010600030101010101" pitchFamily="2" charset="-122"/>
+                </a:defRPr>
+              </a:lvl2pPr>
+              <a:lvl3pPr marL="1143000" indent="-228600">
+                <a:lnSpc>
+                  <a:spcPct val="90000"/>
+                </a:lnSpc>
+                <a:spcBef>
+                  <a:spcPts val="500"/>
+                </a:spcBef>
+                <a:buFont typeface="Arial" panose="020B0604020202020204" pitchFamily="34" charset="0"/>
+                <a:buChar char="•"/>
+                <a:defRPr sz="2000">
+                  <a:solidFill>
+                    <a:schemeClr val="tx1"/>
+                  </a:solidFill>
+                  <a:latin typeface="Calibri" panose="020F0502020204030204" pitchFamily="34" charset="0"/>
+                  <a:ea typeface="宋体" panose="02010600030101010101" pitchFamily="2" charset="-122"/>
+                </a:defRPr>
+              </a:lvl3pPr>
+              <a:lvl4pPr marL="1600200" indent="-228600">
+                <a:lnSpc>
+                  <a:spcPct val="90000"/>
+                </a:lnSpc>
+                <a:spcBef>
+                  <a:spcPts val="500"/>
+                </a:spcBef>
+                <a:buFont typeface="Arial" panose="020B0604020202020204" pitchFamily="34" charset="0"/>
+                <a:buChar char="•"/>
+                <a:defRPr>
+                  <a:solidFill>
+                    <a:schemeClr val="tx1"/>
+                  </a:solidFill>
+                  <a:latin typeface="Calibri" panose="020F0502020204030204" pitchFamily="34" charset="0"/>
+                  <a:ea typeface="宋体" panose="02010600030101010101" pitchFamily="2" charset="-122"/>
+                </a:defRPr>
+              </a:lvl4pPr>
+              <a:lvl5pPr marL="2057400" indent="-228600">
+                <a:lnSpc>
+                  <a:spcPct val="90000"/>
+                </a:lnSpc>
+                <a:spcBef>
+                  <a:spcPts val="500"/>
+                </a:spcBef>
+                <a:buFont typeface="Arial" panose="020B0604020202020204" pitchFamily="34" charset="0"/>
+                <a:buChar char="•"/>
+                <a:defRPr>
+                  <a:solidFill>
+                    <a:schemeClr val="tx1"/>
+                  </a:solidFill>
+                  <a:latin typeface="Calibri" panose="020F0502020204030204" pitchFamily="34" charset="0"/>
+                  <a:ea typeface="宋体" panose="02010600030101010101" pitchFamily="2" charset="-122"/>
+                </a:defRPr>
+              </a:lvl5pPr>
+              <a:lvl6pPr marL="2514600" indent="-228600" eaLnBrk="0" fontAlgn="base" hangingPunct="0">
+                <a:lnSpc>
+                  <a:spcPct val="90000"/>
+                </a:lnSpc>
+                <a:spcBef>
+                  <a:spcPts val="500"/>
+                </a:spcBef>
+                <a:spcAft>
+                  <a:spcPct val="0"/>
+                </a:spcAft>
+                <a:buFont typeface="Arial" panose="020B0604020202020204" pitchFamily="34" charset="0"/>
+                <a:buChar char="•"/>
+                <a:defRPr>
+                  <a:solidFill>
+                    <a:schemeClr val="tx1"/>
+                  </a:solidFill>
+                  <a:latin typeface="Calibri" panose="020F0502020204030204" pitchFamily="34" charset="0"/>
+                  <a:ea typeface="宋体" panose="02010600030101010101" pitchFamily="2" charset="-122"/>
+                </a:defRPr>
+              </a:lvl6pPr>
+              <a:lvl7pPr marL="2971800" indent="-228600" eaLnBrk="0" fontAlgn="base" hangingPunct="0">
+                <a:lnSpc>
+                  <a:spcPct val="90000"/>
+                </a:lnSpc>
+                <a:spcBef>
+                  <a:spcPts val="500"/>
+                </a:spcBef>
+                <a:spcAft>
+                  <a:spcPct val="0"/>
+                </a:spcAft>
+                <a:buFont typeface="Arial" panose="020B0604020202020204" pitchFamily="34" charset="0"/>
+                <a:buChar char="•"/>
+                <a:defRPr>
+                  <a:solidFill>
+                    <a:schemeClr val="tx1"/>
+                  </a:solidFill>
+                  <a:latin typeface="Calibri" panose="020F0502020204030204" pitchFamily="34" charset="0"/>
+                  <a:ea typeface="宋体" panose="02010600030101010101" pitchFamily="2" charset="-122"/>
+                </a:defRPr>
+              </a:lvl7pPr>
+              <a:lvl8pPr marL="3429000" indent="-228600" eaLnBrk="0" fontAlgn="base" hangingPunct="0">
+                <a:lnSpc>
+                  <a:spcPct val="90000"/>
+                </a:lnSpc>
+                <a:spcBef>
+                  <a:spcPts val="500"/>
+                </a:spcBef>
+                <a:spcAft>
+                  <a:spcPct val="0"/>
+                </a:spcAft>
+                <a:buFont typeface="Arial" panose="020B0604020202020204" pitchFamily="34" charset="0"/>
+                <a:buChar char="•"/>
+                <a:defRPr>
+                  <a:solidFill>
+                    <a:schemeClr val="tx1"/>
+                  </a:solidFill>
+                  <a:latin typeface="Calibri" panose="020F0502020204030204" pitchFamily="34" charset="0"/>
+                  <a:ea typeface="宋体" panose="02010600030101010101" pitchFamily="2" charset="-122"/>
+                </a:defRPr>
+              </a:lvl8pPr>
+              <a:lvl9pPr marL="3886200" indent="-228600" eaLnBrk="0" fontAlgn="base" hangingPunct="0">
+                <a:lnSpc>
+                  <a:spcPct val="90000"/>
+                </a:lnSpc>
+                <a:spcBef>
+                  <a:spcPts val="500"/>
+                </a:spcBef>
+                <a:spcAft>
+                  <a:spcPct val="0"/>
+                </a:spcAft>
+                <a:buFont typeface="Arial" panose="020B0604020202020204" pitchFamily="34" charset="0"/>
+                <a:buChar char="•"/>
+                <a:defRPr>
+                  <a:solidFill>
+                    <a:schemeClr val="tx1"/>
+                  </a:solidFill>
+                  <a:latin typeface="Calibri" panose="020F0502020204030204" pitchFamily="34" charset="0"/>
+                  <a:ea typeface="宋体" panose="02010600030101010101" pitchFamily="2" charset="-122"/>
+                </a:defRPr>
+              </a:lvl9pPr>
+            </a:lstStyle>
+            <a:p>
+              <a:pPr eaLnBrk="1" hangingPunct="1">
+                <a:lnSpc>
+                  <a:spcPct val="100000"/>
+                </a:lnSpc>
+                <a:spcBef>
+                  <a:spcPct val="0"/>
+                </a:spcBef>
+                <a:buFont typeface="Arial" panose="020B0604020202020204" pitchFamily="34" charset="0"/>
+                <a:buNone/>
+              </a:pPr>
+              <a:r>
+                <a:rPr lang="zh-CN" altLang="en-US" sz="1800" b="1" dirty="0">
+                  <a:solidFill>
+                    <a:schemeClr val="bg1"/>
+                  </a:solidFill>
+                  <a:latin typeface="微软雅黑" panose="020B0503020204020204" pitchFamily="34" charset="-122"/>
+                  <a:ea typeface="微软雅黑" panose="020B0503020204020204" pitchFamily="34" charset="-122"/>
+                </a:rPr>
+                <a:t>创新点二：交互优化</a:t>
+              </a:r>
+            </a:p>
+          </p:txBody>
+        </p:sp>
+      </p:grpSp>
+      <p:pic>
+        <p:nvPicPr>
+          <p:cNvPr id="5" name="图片 1">
+            <a:extLst>
+              <a:ext uri="{FF2B5EF4-FFF2-40B4-BE49-F238E27FC236}">
+                <a16:creationId xmlns:a16="http://schemas.microsoft.com/office/drawing/2014/main" id="{C4EEE81E-9175-42BE-AE5E-EC3F6291634F}"/>
+              </a:ext>
+            </a:extLst>
+          </p:cNvPr>
+          <p:cNvPicPr>
+            <a:picLocks noChangeAspect="1" noChangeArrowheads="1"/>
+          </p:cNvPicPr>
+          <p:nvPr/>
+        </p:nvPicPr>
+        <p:blipFill>
+          <a:blip r:embed="rId3">
+            <a:extLst>
+              <a:ext uri="{28A0092B-C50C-407E-A947-70E740481C1C}">
+                <a14:useLocalDpi xmlns:a14="http://schemas.microsoft.com/office/drawing/2010/main" val="0"/>
+              </a:ext>
+            </a:extLst>
+          </a:blip>
+          <a:srcRect/>
+          <a:stretch>
+            <a:fillRect/>
+          </a:stretch>
+        </p:blipFill>
+        <p:spPr bwMode="auto">
+          <a:xfrm>
+            <a:off x="7726363" y="1014413"/>
+            <a:ext cx="3160712" cy="4892675"/>
+          </a:xfrm>
+          <a:prstGeom prst="rect">
+            <a:avLst/>
+          </a:prstGeom>
+          <a:noFill/>
+          <a:ln>
+            <a:noFill/>
+          </a:ln>
+          <a:extLst>
+            <a:ext uri="{909E8E84-426E-40DD-AFC4-6F175D3DCCD1}">
+              <a14:hiddenFill xmlns:a14="http://schemas.microsoft.com/office/drawing/2010/main">
+                <a:solidFill>
+                  <a:srgbClr val="FFFFFF"/>
+                </a:solidFill>
+              </a14:hiddenFill>
+            </a:ext>
+            <a:ext uri="{91240B29-F687-4F45-9708-019B960494DF}">
+              <a14:hiddenLine xmlns:a14="http://schemas.microsoft.com/office/drawing/2010/main" w="9525">
+                <a:solidFill>
+                  <a:srgbClr val="000000"/>
+                </a:solidFill>
+                <a:miter lim="800000"/>
+                <a:headEnd/>
+                <a:tailEnd/>
+              </a14:hiddenLine>
+            </a:ext>
+          </a:extLst>
+        </p:spPr>
+      </p:pic>
+      <p:sp>
+        <p:nvSpPr>
+          <p:cNvPr id="7" name="矩形 6">
+            <a:extLst>
+              <a:ext uri="{FF2B5EF4-FFF2-40B4-BE49-F238E27FC236}">
+                <a16:creationId xmlns:a16="http://schemas.microsoft.com/office/drawing/2014/main" id="{6EE3B3EF-3ECA-4CEB-80FD-D61BF9F63E23}"/>
+              </a:ext>
+            </a:extLst>
+          </p:cNvPr>
+          <p:cNvSpPr>
+            <a:spLocks noChangeArrowheads="1"/>
+          </p:cNvSpPr>
+          <p:nvPr/>
+        </p:nvSpPr>
+        <p:spPr bwMode="auto">
+          <a:xfrm>
+            <a:off x="637341" y="1895862"/>
+            <a:ext cx="6664325" cy="1705403"/>
+          </a:xfrm>
+          <a:prstGeom prst="rect">
+            <a:avLst/>
+          </a:prstGeom>
+          <a:noFill/>
+          <a:ln>
+            <a:noFill/>
+          </a:ln>
+          <a:extLst>
+            <a:ext uri="{909E8E84-426E-40DD-AFC4-6F175D3DCCD1}">
+              <a14:hiddenFill xmlns:a14="http://schemas.microsoft.com/office/drawing/2010/main">
+                <a:solidFill>
+                  <a:srgbClr val="FFFFFF"/>
+                </a:solidFill>
+              </a14:hiddenFill>
+            </a:ext>
+            <a:ext uri="{91240B29-F687-4F45-9708-019B960494DF}">
+              <a14:hiddenLine xmlns:a14="http://schemas.microsoft.com/office/drawing/2010/main" w="9525">
+                <a:solidFill>
+                  <a:srgbClr val="000000"/>
+                </a:solidFill>
+                <a:miter lim="800000"/>
+                <a:headEnd/>
+                <a:tailEnd/>
+              </a14:hiddenLine>
+            </a:ext>
+          </a:extLst>
+        </p:spPr>
+        <p:txBody>
+          <a:bodyPr wrap="square">
+            <a:spAutoFit/>
+          </a:bodyPr>
+          <a:lstStyle>
+            <a:lvl1pPr>
+              <a:lnSpc>
+                <a:spcPct val="90000"/>
+              </a:lnSpc>
+              <a:spcBef>
+                <a:spcPts val="1000"/>
+              </a:spcBef>
+              <a:buFont typeface="Arial" panose="020B0604020202020204" pitchFamily="34" charset="0"/>
+              <a:buChar char="•"/>
+              <a:defRPr sz="2800">
+                <a:solidFill>
+                  <a:schemeClr val="tx1"/>
+                </a:solidFill>
+                <a:latin typeface="Calibri" panose="020F0502020204030204" pitchFamily="34" charset="0"/>
+                <a:ea typeface="宋体" panose="02010600030101010101" pitchFamily="2" charset="-122"/>
+              </a:defRPr>
+            </a:lvl1pPr>
+            <a:lvl2pPr marL="742950" indent="-285750">
+              <a:lnSpc>
+                <a:spcPct val="90000"/>
+              </a:lnSpc>
+              <a:spcBef>
+                <a:spcPts val="500"/>
+              </a:spcBef>
+              <a:buFont typeface="Arial" panose="020B0604020202020204" pitchFamily="34" charset="0"/>
+              <a:buChar char="•"/>
+              <a:defRPr sz="2400">
+                <a:solidFill>
+                  <a:schemeClr val="tx1"/>
+                </a:solidFill>
+                <a:latin typeface="Calibri" panose="020F0502020204030204" pitchFamily="34" charset="0"/>
+                <a:ea typeface="宋体" panose="02010600030101010101" pitchFamily="2" charset="-122"/>
+              </a:defRPr>
+            </a:lvl2pPr>
+            <a:lvl3pPr marL="1143000" indent="-228600">
+              <a:lnSpc>
+                <a:spcPct val="90000"/>
+              </a:lnSpc>
+              <a:spcBef>
+                <a:spcPts val="500"/>
+              </a:spcBef>
+              <a:buFont typeface="Arial" panose="020B0604020202020204" pitchFamily="34" charset="0"/>
+              <a:buChar char="•"/>
+              <a:defRPr sz="2000">
+                <a:solidFill>
+                  <a:schemeClr val="tx1"/>
+                </a:solidFill>
+                <a:latin typeface="Calibri" panose="020F0502020204030204" pitchFamily="34" charset="0"/>
+                <a:ea typeface="宋体" panose="02010600030101010101" pitchFamily="2" charset="-122"/>
+              </a:defRPr>
+            </a:lvl3pPr>
+            <a:lvl4pPr marL="1600200" indent="-228600">
+              <a:lnSpc>
+                <a:spcPct val="90000"/>
+              </a:lnSpc>
+              <a:spcBef>
+                <a:spcPts val="500"/>
+              </a:spcBef>
+              <a:buFont typeface="Arial" panose="020B0604020202020204" pitchFamily="34" charset="0"/>
+              <a:buChar char="•"/>
+              <a:defRPr>
+                <a:solidFill>
+                  <a:schemeClr val="tx1"/>
+                </a:solidFill>
+                <a:latin typeface="Calibri" panose="020F0502020204030204" pitchFamily="34" charset="0"/>
+                <a:ea typeface="宋体" panose="02010600030101010101" pitchFamily="2" charset="-122"/>
+              </a:defRPr>
+            </a:lvl4pPr>
+            <a:lvl5pPr marL="2057400" indent="-228600">
+              <a:lnSpc>
+                <a:spcPct val="90000"/>
+              </a:lnSpc>
+              <a:spcBef>
+                <a:spcPts val="500"/>
+              </a:spcBef>
+              <a:buFont typeface="Arial" panose="020B0604020202020204" pitchFamily="34" charset="0"/>
+              <a:buChar char="•"/>
+              <a:defRPr>
+                <a:solidFill>
+                  <a:schemeClr val="tx1"/>
+                </a:solidFill>
+                <a:latin typeface="Calibri" panose="020F0502020204030204" pitchFamily="34" charset="0"/>
+                <a:ea typeface="宋体" panose="02010600030101010101" pitchFamily="2" charset="-122"/>
+              </a:defRPr>
+            </a:lvl5pPr>
+            <a:lvl6pPr marL="2514600" indent="-228600" eaLnBrk="0" fontAlgn="base" hangingPunct="0">
+              <a:lnSpc>
+                <a:spcPct val="90000"/>
+              </a:lnSpc>
+              <a:spcBef>
+                <a:spcPts val="500"/>
+              </a:spcBef>
+              <a:spcAft>
+                <a:spcPct val="0"/>
+              </a:spcAft>
+              <a:buFont typeface="Arial" panose="020B0604020202020204" pitchFamily="34" charset="0"/>
+              <a:buChar char="•"/>
+              <a:defRPr>
+                <a:solidFill>
+                  <a:schemeClr val="tx1"/>
+                </a:solidFill>
+                <a:latin typeface="Calibri" panose="020F0502020204030204" pitchFamily="34" charset="0"/>
+                <a:ea typeface="宋体" panose="02010600030101010101" pitchFamily="2" charset="-122"/>
+              </a:defRPr>
+            </a:lvl6pPr>
+            <a:lvl7pPr marL="2971800" indent="-228600" eaLnBrk="0" fontAlgn="base" hangingPunct="0">
+              <a:lnSpc>
+                <a:spcPct val="90000"/>
+              </a:lnSpc>
+              <a:spcBef>
+                <a:spcPts val="500"/>
+              </a:spcBef>
+              <a:spcAft>
+                <a:spcPct val="0"/>
+              </a:spcAft>
+              <a:buFont typeface="Arial" panose="020B0604020202020204" pitchFamily="34" charset="0"/>
+              <a:buChar char="•"/>
+              <a:defRPr>
+                <a:solidFill>
+                  <a:schemeClr val="tx1"/>
+                </a:solidFill>
+                <a:latin typeface="Calibri" panose="020F0502020204030204" pitchFamily="34" charset="0"/>
+                <a:ea typeface="宋体" panose="02010600030101010101" pitchFamily="2" charset="-122"/>
+              </a:defRPr>
+            </a:lvl7pPr>
+            <a:lvl8pPr marL="3429000" indent="-228600" eaLnBrk="0" fontAlgn="base" hangingPunct="0">
+              <a:lnSpc>
+                <a:spcPct val="90000"/>
+              </a:lnSpc>
+              <a:spcBef>
+                <a:spcPts val="500"/>
+              </a:spcBef>
+              <a:spcAft>
+                <a:spcPct val="0"/>
+              </a:spcAft>
+              <a:buFont typeface="Arial" panose="020B0604020202020204" pitchFamily="34" charset="0"/>
+              <a:buChar char="•"/>
+              <a:defRPr>
+                <a:solidFill>
+                  <a:schemeClr val="tx1"/>
+                </a:solidFill>
+                <a:latin typeface="Calibri" panose="020F0502020204030204" pitchFamily="34" charset="0"/>
+                <a:ea typeface="宋体" panose="02010600030101010101" pitchFamily="2" charset="-122"/>
+              </a:defRPr>
+            </a:lvl8pPr>
+            <a:lvl9pPr marL="3886200" indent="-228600" eaLnBrk="0" fontAlgn="base" hangingPunct="0">
+              <a:lnSpc>
+                <a:spcPct val="90000"/>
+              </a:lnSpc>
+              <a:spcBef>
+                <a:spcPts val="500"/>
+              </a:spcBef>
+              <a:spcAft>
+                <a:spcPct val="0"/>
+              </a:spcAft>
+              <a:buFont typeface="Arial" panose="020B0604020202020204" pitchFamily="34" charset="0"/>
+              <a:buChar char="•"/>
+              <a:defRPr>
+                <a:solidFill>
+                  <a:schemeClr val="tx1"/>
+                </a:solidFill>
+                <a:latin typeface="Calibri" panose="020F0502020204030204" pitchFamily="34" charset="0"/>
+                <a:ea typeface="宋体" panose="02010600030101010101" pitchFamily="2" charset="-122"/>
+              </a:defRPr>
+            </a:lvl9pPr>
+          </a:lstStyle>
+          <a:p>
+            <a:pPr>
+              <a:lnSpc>
+                <a:spcPct val="150000"/>
+              </a:lnSpc>
+              <a:spcBef>
+                <a:spcPct val="0"/>
+              </a:spcBef>
+              <a:buNone/>
+            </a:pPr>
+            <a:r>
+              <a:rPr lang="zh-CN" altLang="en-US" sz="1800" dirty="0">
+                <a:latin typeface="微软雅黑" panose="020B0503020204020204" pitchFamily="34" charset="-122"/>
+                <a:ea typeface="微软雅黑" panose="020B0503020204020204" pitchFamily="34" charset="-122"/>
+              </a:rPr>
+              <a:t>（</a:t>
+            </a:r>
+            <a:r>
+              <a:rPr lang="en-US" altLang="zh-CN" sz="1800" dirty="0">
+                <a:latin typeface="微软雅黑" panose="020B0503020204020204" pitchFamily="34" charset="-122"/>
+                <a:ea typeface="微软雅黑" panose="020B0503020204020204" pitchFamily="34" charset="-122"/>
+              </a:rPr>
+              <a:t>1</a:t>
+            </a:r>
+            <a:r>
+              <a:rPr lang="zh-CN" altLang="en-US" sz="1800" dirty="0">
+                <a:latin typeface="微软雅黑" panose="020B0503020204020204" pitchFamily="34" charset="-122"/>
+                <a:ea typeface="微软雅黑" panose="020B0503020204020204" pitchFamily="34" charset="-122"/>
+              </a:rPr>
+              <a:t>）人机对战</a:t>
+            </a:r>
+            <a:r>
+              <a:rPr lang="en-US" altLang="zh-CN" sz="1800" dirty="0">
+                <a:latin typeface="微软雅黑" panose="020B0503020204020204" pitchFamily="34" charset="-122"/>
+                <a:ea typeface="微软雅黑" panose="020B0503020204020204" pitchFamily="34" charset="-122"/>
+              </a:rPr>
+              <a:t>AI</a:t>
+            </a:r>
+            <a:r>
+              <a:rPr lang="zh-CN" altLang="en-US" sz="1800" dirty="0">
+                <a:latin typeface="微软雅黑" panose="020B0503020204020204" pitchFamily="34" charset="-122"/>
+                <a:ea typeface="微软雅黑" panose="020B0503020204020204" pitchFamily="34" charset="-122"/>
+              </a:rPr>
+              <a:t>难度及其他对弈要求可选</a:t>
+            </a:r>
+            <a:endParaRPr lang="en-US" altLang="zh-CN" sz="1800" dirty="0">
+              <a:latin typeface="微软雅黑" panose="020B0503020204020204" pitchFamily="34" charset="-122"/>
+              <a:ea typeface="微软雅黑" panose="020B0503020204020204" pitchFamily="34" charset="-122"/>
+            </a:endParaRPr>
+          </a:p>
+          <a:p>
+            <a:pPr>
+              <a:lnSpc>
+                <a:spcPct val="150000"/>
+              </a:lnSpc>
+              <a:spcBef>
+                <a:spcPct val="0"/>
+              </a:spcBef>
+              <a:buNone/>
+            </a:pPr>
+            <a:r>
+              <a:rPr lang="en-US" altLang="zh-CN" sz="1800" dirty="0">
+                <a:latin typeface="微软雅黑" panose="020B0503020204020204" pitchFamily="34" charset="-122"/>
+                <a:ea typeface="微软雅黑" panose="020B0503020204020204" pitchFamily="34" charset="-122"/>
+              </a:rPr>
+              <a:t>	</a:t>
+            </a:r>
+            <a:r>
+              <a:rPr lang="zh-CN" altLang="en-US" sz="1800" dirty="0">
+                <a:latin typeface="微软雅黑" panose="020B0503020204020204" pitchFamily="34" charset="-122"/>
+                <a:ea typeface="微软雅黑" panose="020B0503020204020204" pitchFamily="34" charset="-122"/>
+              </a:rPr>
+              <a:t>玩家可根据需求选择人机对战的电脑难度，难度级别分别为简单、中等、困难，此外，玩家可自主选择是否先手走棋以及是否带禁手开始游戏。</a:t>
+            </a:r>
+            <a:endParaRPr lang="en-US" altLang="zh-CN" sz="1800" dirty="0">
+              <a:latin typeface="微软雅黑" panose="020B0503020204020204" pitchFamily="34" charset="-122"/>
+              <a:ea typeface="微软雅黑" panose="020B0503020204020204" pitchFamily="34" charset="-122"/>
+            </a:endParaRPr>
+          </a:p>
+        </p:txBody>
+      </p:sp>
+      <p:sp>
+        <p:nvSpPr>
+          <p:cNvPr id="8" name="矩形 7">
+            <a:extLst>
+              <a:ext uri="{FF2B5EF4-FFF2-40B4-BE49-F238E27FC236}">
+                <a16:creationId xmlns:a16="http://schemas.microsoft.com/office/drawing/2014/main" id="{82DAE29F-CB2F-47EE-9C39-3E22AF536FB2}"/>
+              </a:ext>
+            </a:extLst>
+          </p:cNvPr>
+          <p:cNvSpPr>
+            <a:spLocks noChangeArrowheads="1"/>
+          </p:cNvSpPr>
+          <p:nvPr/>
+        </p:nvSpPr>
+        <p:spPr bwMode="auto">
+          <a:xfrm>
+            <a:off x="637341" y="3601265"/>
+            <a:ext cx="6664325" cy="2536400"/>
+          </a:xfrm>
+          <a:prstGeom prst="rect">
+            <a:avLst/>
+          </a:prstGeom>
+          <a:noFill/>
+          <a:ln>
+            <a:noFill/>
+          </a:ln>
+          <a:extLst>
+            <a:ext uri="{909E8E84-426E-40DD-AFC4-6F175D3DCCD1}">
+              <a14:hiddenFill xmlns:a14="http://schemas.microsoft.com/office/drawing/2010/main">
+                <a:solidFill>
+                  <a:srgbClr val="FFFFFF"/>
+                </a:solidFill>
+              </a14:hiddenFill>
+            </a:ext>
+            <a:ext uri="{91240B29-F687-4F45-9708-019B960494DF}">
+              <a14:hiddenLine xmlns:a14="http://schemas.microsoft.com/office/drawing/2010/main" w="9525">
+                <a:solidFill>
+                  <a:srgbClr val="000000"/>
+                </a:solidFill>
+                <a:miter lim="800000"/>
+                <a:headEnd/>
+                <a:tailEnd/>
+              </a14:hiddenLine>
+            </a:ext>
+          </a:extLst>
+        </p:spPr>
+        <p:txBody>
+          <a:bodyPr wrap="square">
+            <a:spAutoFit/>
+          </a:bodyPr>
+          <a:lstStyle>
+            <a:lvl1pPr>
+              <a:lnSpc>
+                <a:spcPct val="90000"/>
+              </a:lnSpc>
+              <a:spcBef>
+                <a:spcPts val="1000"/>
+              </a:spcBef>
+              <a:buFont typeface="Arial" panose="020B0604020202020204" pitchFamily="34" charset="0"/>
+              <a:buChar char="•"/>
+              <a:defRPr sz="2800">
+                <a:solidFill>
+                  <a:schemeClr val="tx1"/>
+                </a:solidFill>
+                <a:latin typeface="Calibri" panose="020F0502020204030204" pitchFamily="34" charset="0"/>
+                <a:ea typeface="宋体" panose="02010600030101010101" pitchFamily="2" charset="-122"/>
+              </a:defRPr>
+            </a:lvl1pPr>
+            <a:lvl2pPr marL="742950" indent="-285750">
+              <a:lnSpc>
+                <a:spcPct val="90000"/>
+              </a:lnSpc>
+              <a:spcBef>
+                <a:spcPts val="500"/>
+              </a:spcBef>
+              <a:buFont typeface="Arial" panose="020B0604020202020204" pitchFamily="34" charset="0"/>
+              <a:buChar char="•"/>
+              <a:defRPr sz="2400">
+                <a:solidFill>
+                  <a:schemeClr val="tx1"/>
+                </a:solidFill>
+                <a:latin typeface="Calibri" panose="020F0502020204030204" pitchFamily="34" charset="0"/>
+                <a:ea typeface="宋体" panose="02010600030101010101" pitchFamily="2" charset="-122"/>
+              </a:defRPr>
+            </a:lvl2pPr>
+            <a:lvl3pPr marL="1143000" indent="-228600">
+              <a:lnSpc>
+                <a:spcPct val="90000"/>
+              </a:lnSpc>
+              <a:spcBef>
+                <a:spcPts val="500"/>
+              </a:spcBef>
+              <a:buFont typeface="Arial" panose="020B0604020202020204" pitchFamily="34" charset="0"/>
+              <a:buChar char="•"/>
+              <a:defRPr sz="2000">
+                <a:solidFill>
+                  <a:schemeClr val="tx1"/>
+                </a:solidFill>
+                <a:latin typeface="Calibri" panose="020F0502020204030204" pitchFamily="34" charset="0"/>
+                <a:ea typeface="宋体" panose="02010600030101010101" pitchFamily="2" charset="-122"/>
+              </a:defRPr>
+            </a:lvl3pPr>
+            <a:lvl4pPr marL="1600200" indent="-228600">
+              <a:lnSpc>
+                <a:spcPct val="90000"/>
+              </a:lnSpc>
+              <a:spcBef>
+                <a:spcPts val="500"/>
+              </a:spcBef>
+              <a:buFont typeface="Arial" panose="020B0604020202020204" pitchFamily="34" charset="0"/>
+              <a:buChar char="•"/>
+              <a:defRPr>
+                <a:solidFill>
+                  <a:schemeClr val="tx1"/>
+                </a:solidFill>
+                <a:latin typeface="Calibri" panose="020F0502020204030204" pitchFamily="34" charset="0"/>
+                <a:ea typeface="宋体" panose="02010600030101010101" pitchFamily="2" charset="-122"/>
+              </a:defRPr>
+            </a:lvl4pPr>
+            <a:lvl5pPr marL="2057400" indent="-228600">
+              <a:lnSpc>
+                <a:spcPct val="90000"/>
+              </a:lnSpc>
+              <a:spcBef>
+                <a:spcPts val="500"/>
+              </a:spcBef>
+              <a:buFont typeface="Arial" panose="020B0604020202020204" pitchFamily="34" charset="0"/>
+              <a:buChar char="•"/>
+              <a:defRPr>
+                <a:solidFill>
+                  <a:schemeClr val="tx1"/>
+                </a:solidFill>
+                <a:latin typeface="Calibri" panose="020F0502020204030204" pitchFamily="34" charset="0"/>
+                <a:ea typeface="宋体" panose="02010600030101010101" pitchFamily="2" charset="-122"/>
+              </a:defRPr>
+            </a:lvl5pPr>
+            <a:lvl6pPr marL="2514600" indent="-228600" eaLnBrk="0" fontAlgn="base" hangingPunct="0">
+              <a:lnSpc>
+                <a:spcPct val="90000"/>
+              </a:lnSpc>
+              <a:spcBef>
+                <a:spcPts val="500"/>
+              </a:spcBef>
+              <a:spcAft>
+                <a:spcPct val="0"/>
+              </a:spcAft>
+              <a:buFont typeface="Arial" panose="020B0604020202020204" pitchFamily="34" charset="0"/>
+              <a:buChar char="•"/>
+              <a:defRPr>
+                <a:solidFill>
+                  <a:schemeClr val="tx1"/>
+                </a:solidFill>
+                <a:latin typeface="Calibri" panose="020F0502020204030204" pitchFamily="34" charset="0"/>
+                <a:ea typeface="宋体" panose="02010600030101010101" pitchFamily="2" charset="-122"/>
+              </a:defRPr>
+            </a:lvl6pPr>
+            <a:lvl7pPr marL="2971800" indent="-228600" eaLnBrk="0" fontAlgn="base" hangingPunct="0">
+              <a:lnSpc>
+                <a:spcPct val="90000"/>
+              </a:lnSpc>
+              <a:spcBef>
+                <a:spcPts val="500"/>
+              </a:spcBef>
+              <a:spcAft>
+                <a:spcPct val="0"/>
+              </a:spcAft>
+              <a:buFont typeface="Arial" panose="020B0604020202020204" pitchFamily="34" charset="0"/>
+              <a:buChar char="•"/>
+              <a:defRPr>
+                <a:solidFill>
+                  <a:schemeClr val="tx1"/>
+                </a:solidFill>
+                <a:latin typeface="Calibri" panose="020F0502020204030204" pitchFamily="34" charset="0"/>
+                <a:ea typeface="宋体" panose="02010600030101010101" pitchFamily="2" charset="-122"/>
+              </a:defRPr>
+            </a:lvl7pPr>
+            <a:lvl8pPr marL="3429000" indent="-228600" eaLnBrk="0" fontAlgn="base" hangingPunct="0">
+              <a:lnSpc>
+                <a:spcPct val="90000"/>
+              </a:lnSpc>
+              <a:spcBef>
+                <a:spcPts val="500"/>
+              </a:spcBef>
+              <a:spcAft>
+                <a:spcPct val="0"/>
+              </a:spcAft>
+              <a:buFont typeface="Arial" panose="020B0604020202020204" pitchFamily="34" charset="0"/>
+              <a:buChar char="•"/>
+              <a:defRPr>
+                <a:solidFill>
+                  <a:schemeClr val="tx1"/>
+                </a:solidFill>
+                <a:latin typeface="Calibri" panose="020F0502020204030204" pitchFamily="34" charset="0"/>
+                <a:ea typeface="宋体" panose="02010600030101010101" pitchFamily="2" charset="-122"/>
+              </a:defRPr>
+            </a:lvl8pPr>
+            <a:lvl9pPr marL="3886200" indent="-228600" eaLnBrk="0" fontAlgn="base" hangingPunct="0">
+              <a:lnSpc>
+                <a:spcPct val="90000"/>
+              </a:lnSpc>
+              <a:spcBef>
+                <a:spcPts val="500"/>
+              </a:spcBef>
+              <a:spcAft>
+                <a:spcPct val="0"/>
+              </a:spcAft>
+              <a:buFont typeface="Arial" panose="020B0604020202020204" pitchFamily="34" charset="0"/>
+              <a:buChar char="•"/>
+              <a:defRPr>
+                <a:solidFill>
+                  <a:schemeClr val="tx1"/>
+                </a:solidFill>
+                <a:latin typeface="Calibri" panose="020F0502020204030204" pitchFamily="34" charset="0"/>
+                <a:ea typeface="宋体" panose="02010600030101010101" pitchFamily="2" charset="-122"/>
+              </a:defRPr>
+            </a:lvl9pPr>
+          </a:lstStyle>
+          <a:p>
+            <a:pPr>
+              <a:lnSpc>
+                <a:spcPct val="150000"/>
+              </a:lnSpc>
+              <a:spcBef>
+                <a:spcPct val="0"/>
+              </a:spcBef>
+              <a:buNone/>
+            </a:pPr>
+            <a:r>
+              <a:rPr lang="zh-CN" altLang="en-US" sz="1800" dirty="0">
+                <a:latin typeface="微软雅黑" panose="020B0503020204020204" pitchFamily="34" charset="-122"/>
+                <a:ea typeface="微软雅黑" panose="020B0503020204020204" pitchFamily="34" charset="-122"/>
+              </a:rPr>
+              <a:t>（</a:t>
+            </a:r>
+            <a:r>
+              <a:rPr lang="en-US" altLang="zh-CN" sz="1800" dirty="0">
+                <a:latin typeface="微软雅黑" panose="020B0503020204020204" pitchFamily="34" charset="-122"/>
+                <a:ea typeface="微软雅黑" panose="020B0503020204020204" pitchFamily="34" charset="-122"/>
+              </a:rPr>
+              <a:t>2</a:t>
+            </a:r>
+            <a:r>
+              <a:rPr lang="zh-CN" altLang="en-US" sz="1800" dirty="0">
+                <a:latin typeface="微软雅黑" panose="020B0503020204020204" pitchFamily="34" charset="-122"/>
+                <a:ea typeface="微软雅黑" panose="020B0503020204020204" pitchFamily="34" charset="-122"/>
+              </a:rPr>
+              <a:t>）界面优化及联机对战提示优化</a:t>
+            </a:r>
+            <a:endParaRPr lang="en-US" altLang="zh-CN" sz="1800" dirty="0">
+              <a:latin typeface="微软雅黑" panose="020B0503020204020204" pitchFamily="34" charset="-122"/>
+              <a:ea typeface="微软雅黑" panose="020B0503020204020204" pitchFamily="34" charset="-122"/>
+            </a:endParaRPr>
+          </a:p>
+          <a:p>
+            <a:pPr>
+              <a:lnSpc>
+                <a:spcPct val="150000"/>
+              </a:lnSpc>
+              <a:spcBef>
+                <a:spcPct val="0"/>
+              </a:spcBef>
+              <a:buNone/>
+            </a:pPr>
+            <a:r>
+              <a:rPr lang="en-US" altLang="zh-CN" sz="1800" dirty="0">
+                <a:latin typeface="微软雅黑" panose="020B0503020204020204" pitchFamily="34" charset="-122"/>
+                <a:ea typeface="微软雅黑" panose="020B0503020204020204" pitchFamily="34" charset="-122"/>
+              </a:rPr>
+              <a:t>	a</a:t>
+            </a:r>
+            <a:r>
+              <a:rPr lang="zh-CN" altLang="en-US" sz="1800" dirty="0">
+                <a:latin typeface="微软雅黑" panose="020B0503020204020204" pitchFamily="34" charset="-122"/>
+                <a:ea typeface="微软雅黑" panose="020B0503020204020204" pitchFamily="34" charset="-122"/>
+              </a:rPr>
+              <a:t>、对弈过程中对上一玩家所走棋子位置高亮处理，当有玩家胜利后高亮显示“五子连珠”。</a:t>
+            </a:r>
+            <a:endParaRPr lang="en-US" altLang="zh-CN" sz="1800" dirty="0">
+              <a:latin typeface="微软雅黑" panose="020B0503020204020204" pitchFamily="34" charset="-122"/>
+              <a:ea typeface="微软雅黑" panose="020B0503020204020204" pitchFamily="34" charset="-122"/>
+            </a:endParaRPr>
+          </a:p>
+          <a:p>
+            <a:pPr>
+              <a:lnSpc>
+                <a:spcPct val="150000"/>
+              </a:lnSpc>
+              <a:spcBef>
+                <a:spcPct val="0"/>
+              </a:spcBef>
+              <a:buNone/>
+            </a:pPr>
+            <a:r>
+              <a:rPr lang="en-US" altLang="zh-CN" sz="1800" dirty="0">
+                <a:latin typeface="微软雅黑" panose="020B0503020204020204" pitchFamily="34" charset="-122"/>
+                <a:ea typeface="微软雅黑" panose="020B0503020204020204" pitchFamily="34" charset="-122"/>
+              </a:rPr>
+              <a:t>	b</a:t>
+            </a:r>
+            <a:r>
+              <a:rPr lang="zh-CN" altLang="en-US" sz="1800" dirty="0">
+                <a:latin typeface="微软雅黑" panose="020B0503020204020204" pitchFamily="34" charset="-122"/>
+                <a:ea typeface="微软雅黑" panose="020B0503020204020204" pitchFamily="34" charset="-122"/>
+              </a:rPr>
+              <a:t>、网络联机对战过程中点击功能按钮（除认输外）均在另一端显示对话框询问，当确认同意后执行，不同意则返回拒绝消息；当有一端断开时提示另一端连接断开并返回至首页。</a:t>
+            </a:r>
+            <a:endParaRPr lang="en-US" altLang="zh-CN" sz="1800" dirty="0">
+              <a:latin typeface="微软雅黑" panose="020B0503020204020204" pitchFamily="34" charset="-122"/>
+              <a:ea typeface="微软雅黑" panose="020B0503020204020204" pitchFamily="34" charset="-122"/>
+            </a:endParaRPr>
+          </a:p>
+        </p:txBody>
+      </p:sp>
+    </p:spTree>
+    <p:extLst>
+      <p:ext uri="{BB962C8B-B14F-4D97-AF65-F5344CB8AC3E}">
+        <p14:creationId xmlns:p14="http://schemas.microsoft.com/office/powerpoint/2010/main" val="2008971743"/>
+      </p:ext>
+    </p:extLst>
+  </p:cSld>
+  <p:clrMapOvr>
+    <a:masterClrMapping/>
+  </p:clrMapOvr>
+</p:sld>
+</file>
+
+<file path=ppt/slides/slide26.xml><?xml version="1.0" encoding="utf-8"?>
 <p:sld xmlns:a="http://schemas.openxmlformats.org/drawingml/2006/main" xmlns:r="http://schemas.openxmlformats.org/officeDocument/2006/relationships" xmlns:p="http://schemas.openxmlformats.org/presentationml/2006/main">
   <p:cSld>
     <p:spTree>
@@ -25472,29 +28818,7 @@
                 <a:ea typeface="微软雅黑" panose="020B0503020204020204" pitchFamily="34" charset="-122"/>
                 <a:sym typeface="Arial" panose="020B0604020202020204" pitchFamily="34" charset="0"/>
               </a:rPr>
-              <a:t>局域网</a:t>
-            </a:r>
-            <a:r>
-              <a:rPr lang="zh-CN" altLang="en-US" sz="1600" b="1">
-                <a:solidFill>
-                  <a:srgbClr val="000000"/>
-                </a:solidFill>
-                <a:latin typeface="Arial" panose="020B0604020202020204" pitchFamily="34" charset="0"/>
-                <a:ea typeface="微软雅黑" panose="020B0503020204020204" pitchFamily="34" charset="-122"/>
-                <a:sym typeface="Arial" panose="020B0604020202020204" pitchFamily="34" charset="0"/>
-              </a:rPr>
-              <a:t>联网</a:t>
-            </a:r>
-            <a:r>
-              <a:rPr lang="zh-CN" altLang="en-US" sz="1600" b="1" smtClean="0">
-                <a:solidFill>
-                  <a:srgbClr val="000000"/>
-                </a:solidFill>
-                <a:latin typeface="Arial" panose="020B0604020202020204" pitchFamily="34" charset="0"/>
-                <a:ea typeface="微软雅黑" panose="020B0503020204020204" pitchFamily="34" charset="-122"/>
-                <a:sym typeface="Arial" panose="020B0604020202020204" pitchFamily="34" charset="0"/>
-              </a:rPr>
-              <a:t>对战</a:t>
+              <a:t>局域网联网对战</a:t>
             </a:r>
             <a:endParaRPr lang="en-US" altLang="zh-CN" sz="1600" b="1" dirty="0">
               <a:solidFill>
